--- a/assets/attachment/关于软件架构 - v2.pptx
+++ b/assets/attachment/关于软件架构 - v2.pptx
@@ -12,24 +12,28 @@
     <p:sldId id="258" r:id="rId5"/>
     <p:sldId id="257" r:id="rId6"/>
     <p:sldId id="294" r:id="rId7"/>
-    <p:sldId id="281" r:id="rId8"/>
-    <p:sldId id="275" r:id="rId9"/>
-    <p:sldId id="272" r:id="rId10"/>
-    <p:sldId id="291" r:id="rId11"/>
-    <p:sldId id="290" r:id="rId12"/>
-    <p:sldId id="271" r:id="rId13"/>
-    <p:sldId id="273" r:id="rId14"/>
-    <p:sldId id="289" r:id="rId15"/>
-    <p:sldId id="295" r:id="rId16"/>
-    <p:sldId id="288" r:id="rId17"/>
-    <p:sldId id="292" r:id="rId18"/>
-    <p:sldId id="293" r:id="rId19"/>
-    <p:sldId id="274" r:id="rId20"/>
+    <p:sldId id="312" r:id="rId8"/>
+    <p:sldId id="281" r:id="rId9"/>
+    <p:sldId id="275" r:id="rId10"/>
+    <p:sldId id="272" r:id="rId11"/>
+    <p:sldId id="291" r:id="rId12"/>
+    <p:sldId id="290" r:id="rId13"/>
+    <p:sldId id="271" r:id="rId14"/>
+    <p:sldId id="273" r:id="rId15"/>
+    <p:sldId id="289" r:id="rId16"/>
+    <p:sldId id="295" r:id="rId17"/>
+    <p:sldId id="288" r:id="rId18"/>
+    <p:sldId id="292" r:id="rId19"/>
+    <p:sldId id="293" r:id="rId20"/>
+    <p:sldId id="308" r:id="rId21"/>
+    <p:sldId id="309" r:id="rId22"/>
+    <p:sldId id="310" r:id="rId23"/>
+    <p:sldId id="274" r:id="rId24"/>
   </p:sldIdLst>
   <p:sldSz cx="12192000" cy="6858000"/>
   <p:notesSz cx="6858000" cy="9144000"/>
   <p:custDataLst>
-    <p:tags r:id="rId24"/>
+    <p:tags r:id="rId28"/>
   </p:custDataLst>
   <p:defaultTextStyle>
     <a:defPPr>
@@ -536,7 +540,7 @@
       <p:grpSpPr/>
       <p:sp>
         <p:nvSpPr>
-          <p:cNvPr id="2" name="Slide Image Placeholder 1"/>
+          <p:cNvPr id="2" name="幻灯片图像占位符 1"/>
           <p:cNvSpPr/>
           <p:nvPr>
             <p:ph type="sldImg" idx="2"/>
@@ -546,7 +550,7 @@
       </p:sp>
       <p:sp>
         <p:nvSpPr>
-          <p:cNvPr id="3" name="Text Placeholder 2"/>
+          <p:cNvPr id="3" name="文本占位符 2"/>
           <p:cNvSpPr/>
           <p:nvPr>
             <p:ph type="body" idx="3"/>
@@ -556,7 +560,7 @@
         <p:txBody>
           <a:bodyPr/>
           <a:p>
-            <a:endParaRPr lang="en-US"/>
+            <a:endParaRPr lang="zh-CN" altLang="en-US"/>
           </a:p>
         </p:txBody>
       </p:sp>
@@ -644,10 +648,6 @@
         <p:txBody>
           <a:bodyPr/>
           <a:p>
-            <a:r>
-              <a:rPr lang="en-US"/>
-              <a:t>自顶向下做顶层设计、自下而上做服务建设</a:t>
-            </a:r>
             <a:endParaRPr lang="en-US"/>
           </a:p>
         </p:txBody>
@@ -740,7 +740,11 @@
         <p:txBody>
           <a:bodyPr/>
           <a:p>
-            <a:endParaRPr lang="en-US"/>
+            <a:r>
+              <a:rPr lang="zh-CN" altLang="en-US"/>
+              <a:t>运维：操作系统、运维自动化、虚拟化与容器、网络与安全、监控体系建设、业务支撑能力</a:t>
+            </a:r>
+            <a:endParaRPr lang="zh-CN" altLang="en-US"/>
           </a:p>
         </p:txBody>
       </p:sp>
@@ -872,11 +876,95 @@
         <p:txBody>
           <a:bodyPr/>
           <a:p>
-            <a:r>
-              <a:rPr lang="en-US" altLang="en-US"/>
-              <a:t>当当书香节开始了，书虫们可以行动了。</a:t>
-            </a:r>
-            <a:endParaRPr lang="en-US" altLang="en-US"/>
+            <a:endParaRPr lang="en-US"/>
+          </a:p>
+        </p:txBody>
+      </p:sp>
+    </p:spTree>
+  </p:cSld>
+  <p:clrMapOvr>
+    <a:masterClrMapping/>
+  </p:clrMapOvr>
+</p:notes>
+</file>
+
+<file path=ppt/notesSlides/notesSlide18.xml><?xml version="1.0" encoding="utf-8"?>
+<p:notes xmlns:a="http://schemas.openxmlformats.org/drawingml/2006/main" xmlns:r="http://schemas.openxmlformats.org/officeDocument/2006/relationships" xmlns:p="http://schemas.openxmlformats.org/presentationml/2006/main">
+  <p:cSld>
+    <p:spTree>
+      <p:nvGrpSpPr>
+        <p:cNvPr id="1" name=""/>
+        <p:cNvGrpSpPr/>
+        <p:nvPr/>
+      </p:nvGrpSpPr>
+      <p:grpSpPr/>
+      <p:sp>
+        <p:nvSpPr>
+          <p:cNvPr id="2" name="Slide Image Placeholder 1"/>
+          <p:cNvSpPr/>
+          <p:nvPr>
+            <p:ph type="sldImg" idx="2"/>
+          </p:nvPr>
+        </p:nvSpPr>
+        <p:spPr/>
+      </p:sp>
+      <p:sp>
+        <p:nvSpPr>
+          <p:cNvPr id="3" name="Text Placeholder 2"/>
+          <p:cNvSpPr/>
+          <p:nvPr>
+            <p:ph type="body" idx="3"/>
+          </p:nvPr>
+        </p:nvSpPr>
+        <p:spPr/>
+        <p:txBody>
+          <a:bodyPr/>
+          <a:p>
+            <a:endParaRPr lang="en-US"/>
+          </a:p>
+        </p:txBody>
+      </p:sp>
+    </p:spTree>
+  </p:cSld>
+  <p:clrMapOvr>
+    <a:masterClrMapping/>
+  </p:clrMapOvr>
+</p:notes>
+</file>
+
+<file path=ppt/notesSlides/notesSlide19.xml><?xml version="1.0" encoding="utf-8"?>
+<p:notes xmlns:a="http://schemas.openxmlformats.org/drawingml/2006/main" xmlns:r="http://schemas.openxmlformats.org/officeDocument/2006/relationships" xmlns:p="http://schemas.openxmlformats.org/presentationml/2006/main">
+  <p:cSld>
+    <p:spTree>
+      <p:nvGrpSpPr>
+        <p:cNvPr id="1" name=""/>
+        <p:cNvGrpSpPr/>
+        <p:nvPr/>
+      </p:nvGrpSpPr>
+      <p:grpSpPr/>
+      <p:sp>
+        <p:nvSpPr>
+          <p:cNvPr id="2" name="Slide Image Placeholder 1"/>
+          <p:cNvSpPr/>
+          <p:nvPr>
+            <p:ph type="sldImg" idx="2"/>
+          </p:nvPr>
+        </p:nvSpPr>
+        <p:spPr/>
+      </p:sp>
+      <p:sp>
+        <p:nvSpPr>
+          <p:cNvPr id="3" name="Text Placeholder 2"/>
+          <p:cNvSpPr/>
+          <p:nvPr>
+            <p:ph type="body" idx="3"/>
+          </p:nvPr>
+        </p:nvSpPr>
+        <p:spPr/>
+        <p:txBody>
+          <a:bodyPr/>
+          <a:p>
+            <a:endParaRPr lang="en-US"/>
           </a:p>
         </p:txBody>
       </p:sp>
@@ -929,11 +1017,19 @@
           <a:p>
             <a:r>
               <a:rPr lang="en-US" altLang="zh-CN"/>
-              <a:t>机房、主机、网络、CPU、IO、存储</a:t>
+              <a:t>机房、主机</a:t>
             </a:r>
             <a:r>
               <a:rPr lang="zh-CN" altLang="en-US"/>
-              <a:t>等设施</a:t>
+              <a:t>、操作系统</a:t>
+            </a:r>
+            <a:r>
+              <a:rPr lang="en-US" altLang="zh-CN"/>
+              <a:t>、网络、CPU、IO、存储</a:t>
+            </a:r>
+            <a:r>
+              <a:rPr lang="zh-CN" altLang="en-US"/>
+              <a:t>等公有云设施</a:t>
             </a:r>
             <a:endParaRPr lang="zh-CN" altLang="en-US"/>
           </a:p>
@@ -957,6 +1053,94 @@
               <a:rPr lang="zh-CN" altLang="en-US" smtClean="0"/>
             </a:fld>
             <a:endParaRPr lang="zh-CN" altLang="en-US"/>
+          </a:p>
+        </p:txBody>
+      </p:sp>
+    </p:spTree>
+  </p:cSld>
+  <p:clrMapOvr>
+    <a:masterClrMapping/>
+  </p:clrMapOvr>
+</p:notes>
+</file>
+
+<file path=ppt/notesSlides/notesSlide20.xml><?xml version="1.0" encoding="utf-8"?>
+<p:notes xmlns:a="http://schemas.openxmlformats.org/drawingml/2006/main" xmlns:r="http://schemas.openxmlformats.org/officeDocument/2006/relationships" xmlns:p="http://schemas.openxmlformats.org/presentationml/2006/main">
+  <p:cSld>
+    <p:spTree>
+      <p:nvGrpSpPr>
+        <p:cNvPr id="1" name=""/>
+        <p:cNvGrpSpPr/>
+        <p:nvPr/>
+      </p:nvGrpSpPr>
+      <p:grpSpPr/>
+      <p:sp>
+        <p:nvSpPr>
+          <p:cNvPr id="2" name="Slide Image Placeholder 1"/>
+          <p:cNvSpPr/>
+          <p:nvPr>
+            <p:ph type="sldImg" idx="2"/>
+          </p:nvPr>
+        </p:nvSpPr>
+        <p:spPr/>
+      </p:sp>
+      <p:sp>
+        <p:nvSpPr>
+          <p:cNvPr id="3" name="Text Placeholder 2"/>
+          <p:cNvSpPr/>
+          <p:nvPr>
+            <p:ph type="body" idx="3"/>
+          </p:nvPr>
+        </p:nvSpPr>
+        <p:spPr/>
+        <p:txBody>
+          <a:bodyPr/>
+          <a:p>
+            <a:endParaRPr lang="en-US"/>
+          </a:p>
+        </p:txBody>
+      </p:sp>
+    </p:spTree>
+  </p:cSld>
+  <p:clrMapOvr>
+    <a:masterClrMapping/>
+  </p:clrMapOvr>
+</p:notes>
+</file>
+
+<file path=ppt/notesSlides/notesSlide21.xml><?xml version="1.0" encoding="utf-8"?>
+<p:notes xmlns:a="http://schemas.openxmlformats.org/drawingml/2006/main" xmlns:r="http://schemas.openxmlformats.org/officeDocument/2006/relationships" xmlns:p="http://schemas.openxmlformats.org/presentationml/2006/main">
+  <p:cSld>
+    <p:spTree>
+      <p:nvGrpSpPr>
+        <p:cNvPr id="1" name=""/>
+        <p:cNvGrpSpPr/>
+        <p:nvPr/>
+      </p:nvGrpSpPr>
+      <p:grpSpPr/>
+      <p:sp>
+        <p:nvSpPr>
+          <p:cNvPr id="2" name="Slide Image Placeholder 1"/>
+          <p:cNvSpPr/>
+          <p:nvPr>
+            <p:ph type="sldImg" idx="2"/>
+          </p:nvPr>
+        </p:nvSpPr>
+        <p:spPr/>
+      </p:sp>
+      <p:sp>
+        <p:nvSpPr>
+          <p:cNvPr id="3" name="Text Placeholder 2"/>
+          <p:cNvSpPr/>
+          <p:nvPr>
+            <p:ph type="body" idx="3"/>
+          </p:nvPr>
+        </p:nvSpPr>
+        <p:spPr/>
+        <p:txBody>
+          <a:bodyPr/>
+          <a:p>
+            <a:endParaRPr lang="en-US" altLang="en-US"/>
           </a:p>
         </p:txBody>
       </p:sp>
@@ -1061,7 +1245,7 @@
           <a:p>
             <a:r>
               <a:rPr lang="zh-CN" altLang="en-US"/>
-              <a:t>    流动计算架构</a:t>
+              <a:t>    弹性计算架构</a:t>
             </a:r>
             <a:endParaRPr lang="zh-CN" altLang="en-US"/>
           </a:p>
@@ -1135,10 +1319,6 @@
         <p:txBody>
           <a:bodyPr/>
           <a:p>
-            <a:r>
-              <a:rPr lang="en-US"/>
-              <a:t>自顶向下做顶层设计、自下而上做服务建设</a:t>
-            </a:r>
             <a:endParaRPr lang="en-US"/>
           </a:p>
         </p:txBody>
@@ -1163,7 +1343,7 @@
       <p:grpSpPr/>
       <p:sp>
         <p:nvSpPr>
-          <p:cNvPr id="2" name="幻灯片图像占位符 1"/>
+          <p:cNvPr id="2" name="Slide Image Placeholder 1"/>
           <p:cNvSpPr/>
           <p:nvPr>
             <p:ph type="sldImg" idx="2"/>
@@ -1173,7 +1353,7 @@
       </p:sp>
       <p:sp>
         <p:nvSpPr>
-          <p:cNvPr id="3" name="文本占位符 2"/>
+          <p:cNvPr id="3" name="Text Placeholder 2"/>
           <p:cNvSpPr/>
           <p:nvPr>
             <p:ph type="body" idx="3"/>
@@ -1183,63 +1363,7 @@
         <p:txBody>
           <a:bodyPr/>
           <a:p>
-            <a:r>
-              <a:rPr lang="zh-CN" altLang="en-US"/>
-              <a:t>高可用：</a:t>
-            </a:r>
-            <a:r>
-              <a:rPr lang="en-US" altLang="zh-CN"/>
-              <a:t>high available</a:t>
-            </a:r>
-            <a:r>
-              <a:rPr lang="zh-CN" altLang="en-US"/>
-              <a:t>，多活，主备（热备</a:t>
-            </a:r>
-            <a:r>
-              <a:rPr lang="en-US" altLang="zh-CN"/>
-              <a:t>/</a:t>
-            </a:r>
-            <a:r>
-              <a:rPr lang="zh-CN" altLang="en-US"/>
-              <a:t>冷备）等</a:t>
-            </a:r>
-            <a:endParaRPr lang="zh-CN" altLang="en-US"/>
-          </a:p>
-          <a:p>
-            <a:r>
-              <a:rPr lang="zh-CN" altLang="en-US"/>
-              <a:t>高性能：</a:t>
-            </a:r>
-            <a:r>
-              <a:rPr lang="en-US" altLang="zh-CN"/>
-              <a:t>high performance</a:t>
-            </a:r>
-            <a:r>
-              <a:rPr lang="zh-CN" altLang="en-US"/>
-              <a:t>，负载均衡，多活，缓存、异步等</a:t>
-            </a:r>
-            <a:endParaRPr lang="zh-CN" altLang="en-US"/>
-          </a:p>
-          <a:p>
-            <a:r>
-              <a:rPr lang="zh-CN" altLang="en-US"/>
-              <a:t>可扩展性：快速响应需求的变化</a:t>
-            </a:r>
-            <a:endParaRPr lang="zh-CN" altLang="en-US"/>
-          </a:p>
-          <a:p>
-            <a:r>
-              <a:rPr lang="zh-CN" altLang="en-US"/>
-              <a:t>可伸缩性：根据负载快速调整集群容量（扩容或缩容）应对</a:t>
-            </a:r>
-            <a:endParaRPr lang="zh-CN" altLang="en-US"/>
-          </a:p>
-          <a:p>
-            <a:r>
-              <a:rPr lang="zh-CN" altLang="en-US"/>
-              <a:t>安全：</a:t>
-            </a:r>
-            <a:endParaRPr lang="zh-CN" altLang="en-US"/>
+            <a:endParaRPr lang="en-US"/>
           </a:p>
         </p:txBody>
       </p:sp>
@@ -1263,7 +1387,7 @@
       <p:grpSpPr/>
       <p:sp>
         <p:nvSpPr>
-          <p:cNvPr id="2" name="Slide Image Placeholder 1"/>
+          <p:cNvPr id="2" name="幻灯片图像占位符 1"/>
           <p:cNvSpPr/>
           <p:nvPr>
             <p:ph type="sldImg" idx="2"/>
@@ -1273,7 +1397,7 @@
       </p:sp>
       <p:sp>
         <p:nvSpPr>
-          <p:cNvPr id="3" name="Text Placeholder 2"/>
+          <p:cNvPr id="3" name="文本占位符 2"/>
           <p:cNvSpPr/>
           <p:nvPr>
             <p:ph type="body" idx="3"/>
@@ -1284,71 +1408,60 @@
           <a:bodyPr/>
           <a:p>
             <a:r>
-              <a:rPr lang="en-US" altLang="en-US"/>
-              <a:t>设计原则（6种）：</a:t>
-            </a:r>
-            <a:endParaRPr lang="en-US" altLang="en-US"/>
-          </a:p>
-          <a:p>
-            <a:r>
-              <a:rPr lang="en-US"/>
-              <a:t>单一职责原则</a:t>
-            </a:r>
-            <a:endParaRPr lang="en-US"/>
-          </a:p>
-          <a:p>
-            <a:r>
-              <a:rPr lang="en-US"/>
-              <a:t>里氏替换原则</a:t>
-            </a:r>
-            <a:endParaRPr lang="en-US"/>
-          </a:p>
-          <a:p>
-            <a:r>
-              <a:rPr lang="en-US"/>
-              <a:t>依赖倒置原则</a:t>
-            </a:r>
-            <a:endParaRPr lang="en-US"/>
-          </a:p>
-          <a:p>
-            <a:r>
-              <a:rPr lang="en-US"/>
-              <a:t>接口隔离原则</a:t>
-            </a:r>
-            <a:endParaRPr lang="en-US"/>
-          </a:p>
-          <a:p>
-            <a:r>
-              <a:rPr lang="en-US"/>
-              <a:t>迪米特法则</a:t>
-            </a:r>
-            <a:endParaRPr lang="en-US"/>
-          </a:p>
-          <a:p>
-            <a:r>
-              <a:rPr lang="en-US"/>
-              <a:t>开闭原则</a:t>
-            </a:r>
-            <a:endParaRPr lang="en-US"/>
-          </a:p>
-          <a:p>
-            <a:endParaRPr lang="en-US"/>
-          </a:p>
-          <a:p>
-            <a:r>
-              <a:rPr lang="en-US" altLang="en-US"/>
-              <a:t>设计模式（23种）：</a:t>
-            </a:r>
-            <a:endParaRPr lang="en-US" altLang="en-US"/>
-          </a:p>
-          <a:p>
-            <a:r>
-              <a:rPr lang="en-US" altLang="en-US"/>
-              <a:t>单例模式、工厂模式</a:t>
-            </a:r>
-            <a:r>
               <a:rPr lang="zh-CN" altLang="en-US"/>
-              <a:t>等</a:t>
+              <a:t>高可用：</a:t>
+            </a:r>
+            <a:r>
+              <a:rPr lang="en-US" altLang="zh-CN"/>
+              <a:t>high available</a:t>
+            </a:r>
+            <a:r>
+              <a:rPr lang="zh-CN" altLang="en-US"/>
+              <a:t>，多活，主备（热备</a:t>
+            </a:r>
+            <a:r>
+              <a:rPr lang="en-US" altLang="zh-CN"/>
+              <a:t>/</a:t>
+            </a:r>
+            <a:r>
+              <a:rPr lang="zh-CN" altLang="en-US"/>
+              <a:t>冷备）等</a:t>
+            </a:r>
+            <a:endParaRPr lang="zh-CN" altLang="en-US"/>
+          </a:p>
+          <a:p>
+            <a:r>
+              <a:rPr lang="zh-CN" altLang="en-US"/>
+              <a:t>高性能：</a:t>
+            </a:r>
+            <a:r>
+              <a:rPr lang="en-US" altLang="zh-CN"/>
+              <a:t>high performance</a:t>
+            </a:r>
+            <a:r>
+              <a:rPr lang="zh-CN" altLang="en-US"/>
+              <a:t>，负载均衡，多活，缓存、异步等</a:t>
+            </a:r>
+            <a:endParaRPr lang="zh-CN" altLang="en-US"/>
+          </a:p>
+          <a:p>
+            <a:r>
+              <a:rPr lang="zh-CN" altLang="en-US"/>
+              <a:t>可扩展性：快速响应需求的变化</a:t>
+            </a:r>
+            <a:endParaRPr lang="zh-CN" altLang="en-US"/>
+          </a:p>
+          <a:p>
+            <a:r>
+              <a:rPr lang="zh-CN" altLang="en-US"/>
+              <a:t>可伸缩性：根据负载快速调整集群容量（扩容或缩容）应对</a:t>
+            </a:r>
+            <a:endParaRPr lang="zh-CN" altLang="en-US"/>
+          </a:p>
+          <a:p>
+            <a:r>
+              <a:rPr lang="zh-CN" altLang="en-US"/>
+              <a:t>安全：</a:t>
             </a:r>
             <a:endParaRPr lang="zh-CN" altLang="en-US"/>
           </a:p>
@@ -1374,7 +1487,7 @@
       <p:grpSpPr/>
       <p:sp>
         <p:nvSpPr>
-          <p:cNvPr id="2" name="幻灯片图像占位符 1"/>
+          <p:cNvPr id="2" name="Slide Image Placeholder 1"/>
           <p:cNvSpPr/>
           <p:nvPr>
             <p:ph type="sldImg" idx="2"/>
@@ -1384,7 +1497,7 @@
       </p:sp>
       <p:sp>
         <p:nvSpPr>
-          <p:cNvPr id="3" name="文本占位符 2"/>
+          <p:cNvPr id="3" name="Text Placeholder 2"/>
           <p:cNvSpPr/>
           <p:nvPr>
             <p:ph type="body" idx="3"/>
@@ -1394,6 +1507,73 @@
         <p:txBody>
           <a:bodyPr/>
           <a:p>
+            <a:r>
+              <a:rPr lang="en-US" altLang="en-US"/>
+              <a:t>设计原则（6种）：</a:t>
+            </a:r>
+            <a:endParaRPr lang="en-US" altLang="en-US"/>
+          </a:p>
+          <a:p>
+            <a:r>
+              <a:rPr lang="en-US"/>
+              <a:t>单一职责原则</a:t>
+            </a:r>
+            <a:endParaRPr lang="en-US"/>
+          </a:p>
+          <a:p>
+            <a:r>
+              <a:rPr lang="en-US"/>
+              <a:t>里氏替换原则</a:t>
+            </a:r>
+            <a:endParaRPr lang="en-US"/>
+          </a:p>
+          <a:p>
+            <a:r>
+              <a:rPr lang="en-US"/>
+              <a:t>依赖倒置原则</a:t>
+            </a:r>
+            <a:endParaRPr lang="en-US"/>
+          </a:p>
+          <a:p>
+            <a:r>
+              <a:rPr lang="en-US"/>
+              <a:t>接口隔离原则</a:t>
+            </a:r>
+            <a:endParaRPr lang="en-US"/>
+          </a:p>
+          <a:p>
+            <a:r>
+              <a:rPr lang="en-US"/>
+              <a:t>迪米特法则</a:t>
+            </a:r>
+            <a:endParaRPr lang="en-US"/>
+          </a:p>
+          <a:p>
+            <a:r>
+              <a:rPr lang="en-US"/>
+              <a:t>开闭原则</a:t>
+            </a:r>
+            <a:endParaRPr lang="en-US"/>
+          </a:p>
+          <a:p>
+            <a:endParaRPr lang="en-US"/>
+          </a:p>
+          <a:p>
+            <a:r>
+              <a:rPr lang="en-US" altLang="en-US"/>
+              <a:t>设计模式（23种）：</a:t>
+            </a:r>
+            <a:endParaRPr lang="en-US" altLang="en-US"/>
+          </a:p>
+          <a:p>
+            <a:r>
+              <a:rPr lang="en-US" altLang="en-US"/>
+              <a:t>单例模式、工厂模式</a:t>
+            </a:r>
+            <a:r>
+              <a:rPr lang="zh-CN" altLang="en-US"/>
+              <a:t>等</a:t>
+            </a:r>
             <a:endParaRPr lang="zh-CN" altLang="en-US"/>
           </a:p>
         </p:txBody>
@@ -4566,6 +4746,127 @@
           <a:bodyPr/>
           <a:p>
             <a:r>
+              <a:rPr lang="zh-CN" altLang="en-US"/>
+              <a:t>数据</a:t>
+            </a:r>
+            <a:r>
+              <a:rPr lang="en-US" altLang="en-US"/>
+              <a:t>中台</a:t>
+            </a:r>
+            <a:endParaRPr lang="en-US" altLang="en-US"/>
+          </a:p>
+        </p:txBody>
+      </p:sp>
+      <p:sp>
+        <p:nvSpPr>
+          <p:cNvPr id="3" name="Content Placeholder 2"/>
+          <p:cNvSpPr>
+            <a:spLocks noGrp="1"/>
+          </p:cNvSpPr>
+          <p:nvPr>
+            <p:ph idx="1"/>
+          </p:nvPr>
+        </p:nvSpPr>
+        <p:spPr/>
+        <p:txBody>
+          <a:bodyPr/>
+          <a:p>
+            <a:r>
+              <a:rPr lang="en-US" sz="2800"/>
+              <a:t>挖掘数据价值，实现数据驱动业务</a:t>
+            </a:r>
+            <a:endParaRPr lang="en-US" sz="2800"/>
+          </a:p>
+        </p:txBody>
+      </p:sp>
+      <p:sp>
+        <p:nvSpPr>
+          <p:cNvPr id="16" name="Rectangle 15"/>
+          <p:cNvSpPr/>
+          <p:nvPr>
+            <p:custDataLst>
+              <p:tags r:id="rId1"/>
+            </p:custDataLst>
+          </p:nvPr>
+        </p:nvSpPr>
+        <p:spPr>
+          <a:xfrm>
+            <a:off x="1564005" y="3020695"/>
+            <a:ext cx="1102360" cy="488315"/>
+          </a:xfrm>
+          <a:prstGeom prst="rect">
+            <a:avLst/>
+          </a:prstGeom>
+          <a:solidFill>
+            <a:schemeClr val="accent1">
+              <a:lumMod val="50000"/>
+            </a:schemeClr>
+          </a:solidFill>
+          <a:ln>
+            <a:noFill/>
+          </a:ln>
+        </p:spPr>
+        <p:style>
+          <a:lnRef idx="2">
+            <a:schemeClr val="accent1">
+              <a:shade val="50000"/>
+            </a:schemeClr>
+          </a:lnRef>
+          <a:fillRef idx="1">
+            <a:schemeClr val="accent1"/>
+          </a:fillRef>
+          <a:effectRef idx="0">
+            <a:schemeClr val="accent1"/>
+          </a:effectRef>
+          <a:fontRef idx="minor">
+            <a:schemeClr val="lt1"/>
+          </a:fontRef>
+        </p:style>
+        <p:txBody>
+          <a:bodyPr rtlCol="0" anchor="ctr"/>
+          <a:p>
+            <a:pPr algn="ctr"/>
+            <a:r>
+              <a:rPr lang="zh-CN" altLang="en-US" sz="1600"/>
+              <a:t>交易</a:t>
+            </a:r>
+            <a:endParaRPr lang="zh-CN" altLang="en-US" sz="1600"/>
+          </a:p>
+        </p:txBody>
+      </p:sp>
+    </p:spTree>
+  </p:cSld>
+  <p:clrMapOvr>
+    <a:masterClrMapping/>
+  </p:clrMapOvr>
+</p:sld>
+</file>
+
+<file path=ppt/slides/slide11.xml><?xml version="1.0" encoding="utf-8"?>
+<p:sld xmlns:a="http://schemas.openxmlformats.org/drawingml/2006/main" xmlns:r="http://schemas.openxmlformats.org/officeDocument/2006/relationships" xmlns:p="http://schemas.openxmlformats.org/presentationml/2006/main">
+  <p:cSld>
+    <p:spTree>
+      <p:nvGrpSpPr>
+        <p:cNvPr id="1" name=""/>
+        <p:cNvGrpSpPr/>
+        <p:nvPr/>
+      </p:nvGrpSpPr>
+      <p:grpSpPr/>
+      <p:sp>
+        <p:nvSpPr>
+          <p:cNvPr id="2" name="Title 1"/>
+          <p:cNvSpPr>
+            <a:spLocks noGrp="1"/>
+          </p:cNvSpPr>
+          <p:nvPr>
+            <p:ph type="title"/>
+          </p:nvPr>
+        </p:nvSpPr>
+        <p:spPr/>
+        <p:txBody>
+          <a:bodyPr/>
+          <a:p>
+            <a:r>
               <a:rPr lang="en-US" altLang="en-US"/>
               <a:t>技术</a:t>
             </a:r>
@@ -5435,7 +5736,7 @@
 </p:sld>
 </file>
 
-<file path=ppt/slides/slide11.xml><?xml version="1.0" encoding="utf-8"?>
+<file path=ppt/slides/slide12.xml><?xml version="1.0" encoding="utf-8"?>
 <p:sld xmlns:a="http://schemas.openxmlformats.org/drawingml/2006/main" xmlns:r="http://schemas.openxmlformats.org/officeDocument/2006/relationships" xmlns:p="http://schemas.openxmlformats.org/presentationml/2006/main">
   <p:cSld>
     <p:spTree>
@@ -6226,99 +6527,6 @@
 </p:sld>
 </file>
 
-<file path=ppt/slides/slide12.xml><?xml version="1.0" encoding="utf-8"?>
-<p:sld xmlns:a="http://schemas.openxmlformats.org/drawingml/2006/main" xmlns:r="http://schemas.openxmlformats.org/officeDocument/2006/relationships" xmlns:p="http://schemas.openxmlformats.org/presentationml/2006/main">
-  <p:cSld>
-    <p:spTree>
-      <p:nvGrpSpPr>
-        <p:cNvPr id="1" name=""/>
-        <p:cNvGrpSpPr/>
-        <p:nvPr/>
-      </p:nvGrpSpPr>
-      <p:grpSpPr/>
-      <p:sp>
-        <p:nvSpPr>
-          <p:cNvPr id="2" name="Title 1"/>
-          <p:cNvSpPr>
-            <a:spLocks noGrp="1"/>
-          </p:cNvSpPr>
-          <p:nvPr>
-            <p:ph type="title"/>
-          </p:nvPr>
-        </p:nvSpPr>
-        <p:spPr/>
-        <p:txBody>
-          <a:bodyPr/>
-          <a:p>
-            <a:r>
-              <a:rPr lang="zh-CN" altLang="en-US"/>
-              <a:t>架构委员会</a:t>
-            </a:r>
-            <a:endParaRPr lang="zh-CN" altLang="en-US"/>
-          </a:p>
-        </p:txBody>
-      </p:sp>
-      <p:sp>
-        <p:nvSpPr>
-          <p:cNvPr id="3" name="Content Placeholder 2"/>
-          <p:cNvSpPr>
-            <a:spLocks noGrp="1"/>
-          </p:cNvSpPr>
-          <p:nvPr>
-            <p:ph idx="1"/>
-          </p:nvPr>
-        </p:nvSpPr>
-        <p:spPr/>
-        <p:txBody>
-          <a:bodyPr/>
-          <a:p>
-            <a:r>
-              <a:rPr lang="zh-CN" altLang="en-US" sz="2800"/>
-              <a:t>由业务专家、产品专家和技术专家组成</a:t>
-            </a:r>
-            <a:endParaRPr lang="zh-CN" altLang="en-US" sz="2800"/>
-          </a:p>
-          <a:p>
-            <a:r>
-              <a:rPr lang="zh-CN" altLang="en-US" sz="2800"/>
-              <a:t>进行顶层设计（包括业务顶层设计、产品顶层设计和技术顶层设计）</a:t>
-            </a:r>
-            <a:endParaRPr lang="zh-CN" altLang="en-US" sz="2800"/>
-          </a:p>
-          <a:p>
-            <a:pPr lvl="1"/>
-            <a:r>
-              <a:rPr lang="zh-CN" altLang="en-US" sz="2450"/>
-              <a:t>业务顶层设计：业务领域划分和边界定义</a:t>
-            </a:r>
-            <a:endParaRPr lang="zh-CN" altLang="en-US" sz="2450"/>
-          </a:p>
-          <a:p>
-            <a:pPr lvl="1"/>
-            <a:r>
-              <a:rPr lang="zh-CN" altLang="en-US" sz="2450"/>
-              <a:t>产品顶层设计：前台、中台和后台产品定义</a:t>
-            </a:r>
-            <a:endParaRPr lang="zh-CN" altLang="en-US" sz="2450"/>
-          </a:p>
-          <a:p>
-            <a:pPr lvl="1"/>
-            <a:r>
-              <a:rPr lang="zh-CN" altLang="en-US" sz="2450"/>
-              <a:t>技术顶层设计：统一技术栈和服务划分与边界</a:t>
-            </a:r>
-            <a:endParaRPr lang="zh-CN" altLang="en-US" sz="2450"/>
-          </a:p>
-        </p:txBody>
-      </p:sp>
-    </p:spTree>
-  </p:cSld>
-  <p:clrMapOvr>
-    <a:masterClrMapping/>
-  </p:clrMapOvr>
-</p:sld>
-</file>
-
 <file path=ppt/slides/slide13.xml><?xml version="1.0" encoding="utf-8"?>
 <p:sld xmlns:a="http://schemas.openxmlformats.org/drawingml/2006/main" xmlns:r="http://schemas.openxmlformats.org/officeDocument/2006/relationships" xmlns:p="http://schemas.openxmlformats.org/presentationml/2006/main">
   <p:cSld>
@@ -6345,6 +6553,99 @@
           <a:p>
             <a:r>
               <a:rPr lang="zh-CN" altLang="en-US"/>
+              <a:t>架构委员会</a:t>
+            </a:r>
+            <a:endParaRPr lang="zh-CN" altLang="en-US"/>
+          </a:p>
+        </p:txBody>
+      </p:sp>
+      <p:sp>
+        <p:nvSpPr>
+          <p:cNvPr id="3" name="Content Placeholder 2"/>
+          <p:cNvSpPr>
+            <a:spLocks noGrp="1"/>
+          </p:cNvSpPr>
+          <p:nvPr>
+            <p:ph idx="1"/>
+          </p:nvPr>
+        </p:nvSpPr>
+        <p:spPr/>
+        <p:txBody>
+          <a:bodyPr/>
+          <a:p>
+            <a:r>
+              <a:rPr lang="zh-CN" altLang="en-US" sz="2800"/>
+              <a:t>由业务专家、产品专家和技术专家组成</a:t>
+            </a:r>
+            <a:endParaRPr lang="zh-CN" altLang="en-US" sz="2800"/>
+          </a:p>
+          <a:p>
+            <a:r>
+              <a:rPr lang="zh-CN" altLang="en-US" sz="2800"/>
+              <a:t>进行顶层设计（包括业务顶层设计、产品顶层设计和技术顶层设计）</a:t>
+            </a:r>
+            <a:endParaRPr lang="zh-CN" altLang="en-US" sz="2800"/>
+          </a:p>
+          <a:p>
+            <a:pPr lvl="1"/>
+            <a:r>
+              <a:rPr lang="zh-CN" altLang="en-US" sz="2450"/>
+              <a:t>业务顶层设计：业务领域划分和边界定义</a:t>
+            </a:r>
+            <a:endParaRPr lang="zh-CN" altLang="en-US" sz="2450"/>
+          </a:p>
+          <a:p>
+            <a:pPr lvl="1"/>
+            <a:r>
+              <a:rPr lang="zh-CN" altLang="en-US" sz="2450"/>
+              <a:t>产品顶层设计：前台、中台和后台产品定义</a:t>
+            </a:r>
+            <a:endParaRPr lang="zh-CN" altLang="en-US" sz="2450"/>
+          </a:p>
+          <a:p>
+            <a:pPr lvl="1"/>
+            <a:r>
+              <a:rPr lang="zh-CN" altLang="en-US" sz="2450"/>
+              <a:t>技术顶层设计：统一技术栈和服务划分与边界</a:t>
+            </a:r>
+            <a:endParaRPr lang="zh-CN" altLang="en-US" sz="2450"/>
+          </a:p>
+        </p:txBody>
+      </p:sp>
+    </p:spTree>
+  </p:cSld>
+  <p:clrMapOvr>
+    <a:masterClrMapping/>
+  </p:clrMapOvr>
+</p:sld>
+</file>
+
+<file path=ppt/slides/slide14.xml><?xml version="1.0" encoding="utf-8"?>
+<p:sld xmlns:a="http://schemas.openxmlformats.org/drawingml/2006/main" xmlns:r="http://schemas.openxmlformats.org/officeDocument/2006/relationships" xmlns:p="http://schemas.openxmlformats.org/presentationml/2006/main">
+  <p:cSld>
+    <p:spTree>
+      <p:nvGrpSpPr>
+        <p:cNvPr id="1" name=""/>
+        <p:cNvGrpSpPr/>
+        <p:nvPr/>
+      </p:nvGrpSpPr>
+      <p:grpSpPr/>
+      <p:sp>
+        <p:nvSpPr>
+          <p:cNvPr id="2" name="Title 1"/>
+          <p:cNvSpPr>
+            <a:spLocks noGrp="1"/>
+          </p:cNvSpPr>
+          <p:nvPr>
+            <p:ph type="title"/>
+          </p:nvPr>
+        </p:nvSpPr>
+        <p:spPr/>
+        <p:txBody>
+          <a:bodyPr/>
+          <a:p>
+            <a:r>
+              <a:rPr lang="zh-CN" altLang="en-US"/>
               <a:t>人员组织架构</a:t>
             </a:r>
             <a:endParaRPr lang="zh-CN" altLang="en-US"/>
@@ -6353,7 +6654,7 @@
       </p:sp>
       <p:graphicFrame>
         <p:nvGraphicFramePr>
-          <p:cNvPr id="6" name="内容占位符 5"/>
+          <p:cNvPr id="9" name="内容占位符 8"/>
           <p:cNvGraphicFramePr>
             <a:graphicFrameLocks noChangeAspect="1"/>
           </p:cNvGraphicFramePr>
@@ -6365,23 +6666,23 @@
           </p:nvPr>
         </p:nvGraphicFramePr>
         <p:xfrm>
-          <a:off x="2694940" y="1856105"/>
-          <a:ext cx="6635750" cy="4309745"/>
+          <a:off x="2376805" y="1511300"/>
+          <a:ext cx="7574280" cy="4796790"/>
         </p:xfrm>
         <a:graphic>
           <a:graphicData uri="http://schemas.openxmlformats.org/presentationml/2006/ole">
             <mc:AlternateContent xmlns:mc="http://schemas.openxmlformats.org/markup-compatibility/2006">
               <mc:Choice xmlns:v="urn:schemas-microsoft-com:vml" Requires="v">
-                <p:oleObj spid="_x0000_s7" name="" r:id="rId2" imgW="7145020" imgH="4639945" progId="Visio.Drawing.15">
+                <p:oleObj spid="_x0000_s10" name="" r:id="rId2" imgW="7139305" imgH="4521200" progId="Visio.Drawing.15">
                   <p:embed/>
                 </p:oleObj>
               </mc:Choice>
               <mc:Fallback>
-                <p:oleObj name="" r:id="rId2" imgW="7145020" imgH="4639945" progId="Visio.Drawing.15">
+                <p:oleObj name="" r:id="rId2" imgW="7139305" imgH="4521200" progId="Visio.Drawing.15">
                   <p:embed/>
                   <p:pic>
                     <p:nvPicPr>
-                      <p:cNvPr id="0" name="图片 6"/>
+                      <p:cNvPr id="0" name="图片 9"/>
                       <p:cNvPicPr/>
                       <p:nvPr/>
                     </p:nvPicPr>
@@ -6393,8 +6694,8 @@
                     </p:blipFill>
                     <p:spPr>
                       <a:xfrm>
-                        <a:off x="2694940" y="1856105"/>
-                        <a:ext cx="6635750" cy="4309745"/>
+                        <a:off x="2376805" y="1511300"/>
+                        <a:ext cx="7574280" cy="4796790"/>
                       </a:xfrm>
                       <a:prstGeom prst="rect">
                         <a:avLst/>
@@ -6415,7 +6716,7 @@
 </p:sld>
 </file>
 
-<file path=ppt/slides/slide14.xml><?xml version="1.0" encoding="utf-8"?>
+<file path=ppt/slides/slide15.xml><?xml version="1.0" encoding="utf-8"?>
 <p:sld xmlns:a="http://schemas.openxmlformats.org/drawingml/2006/main" xmlns:r="http://schemas.openxmlformats.org/officeDocument/2006/relationships" xmlns:p="http://schemas.openxmlformats.org/presentationml/2006/main">
   <p:cSld>
     <p:spTree>
@@ -8260,7 +8561,7 @@
 </p:sld>
 </file>
 
-<file path=ppt/slides/slide15.xml><?xml version="1.0" encoding="utf-8"?>
+<file path=ppt/slides/slide16.xml><?xml version="1.0" encoding="utf-8"?>
 <p:sld xmlns:a="http://schemas.openxmlformats.org/drawingml/2006/main" xmlns:r="http://schemas.openxmlformats.org/officeDocument/2006/relationships" xmlns:p="http://schemas.openxmlformats.org/presentationml/2006/main">
   <p:cSld>
     <p:spTree>
@@ -8356,7 +8657,7 @@
 </p:sld>
 </file>
 
-<file path=ppt/slides/slide16.xml><?xml version="1.0" encoding="utf-8"?>
+<file path=ppt/slides/slide17.xml><?xml version="1.0" encoding="utf-8"?>
 <p:sld xmlns:a="http://schemas.openxmlformats.org/drawingml/2006/main" xmlns:r="http://schemas.openxmlformats.org/officeDocument/2006/relationships" xmlns:p="http://schemas.openxmlformats.org/presentationml/2006/main">
   <p:cSld>
     <p:spTree>
@@ -8390,7 +8691,7 @@
       </p:sp>
       <p:graphicFrame>
         <p:nvGraphicFramePr>
-          <p:cNvPr id="4" name="内容占位符 3"/>
+          <p:cNvPr id="9" name="内容占位符 8"/>
           <p:cNvGraphicFramePr>
             <a:graphicFrameLocks noChangeAspect="1"/>
           </p:cNvGraphicFramePr>
@@ -8402,14 +8703,14 @@
           </p:nvPr>
         </p:nvGraphicFramePr>
         <p:xfrm>
-          <a:off x="1428750" y="2940050"/>
-          <a:ext cx="9476740" cy="2224405"/>
+          <a:off x="933450" y="2795270"/>
+          <a:ext cx="10164445" cy="2385695"/>
         </p:xfrm>
         <a:graphic>
           <a:graphicData uri="http://schemas.openxmlformats.org/presentationml/2006/ole">
             <mc:AlternateContent xmlns:mc="http://schemas.openxmlformats.org/markup-compatibility/2006">
               <mc:Choice xmlns:v="urn:schemas-microsoft-com:vml" Requires="v">
-                <p:oleObj spid="_x0000_s5" name="" r:id="rId2" imgW="4912995" imgH="1153160" progId="Visio.Drawing.15">
+                <p:oleObj spid="_x0000_s10" name="" r:id="rId2" imgW="4912995" imgH="1153160" progId="Visio.Drawing.15">
                   <p:embed/>
                 </p:oleObj>
               </mc:Choice>
@@ -8418,7 +8719,7 @@
                   <p:embed/>
                   <p:pic>
                     <p:nvPicPr>
-                      <p:cNvPr id="0" name="图片 4"/>
+                      <p:cNvPr id="0" name="图片 9"/>
                       <p:cNvPicPr/>
                       <p:nvPr/>
                     </p:nvPicPr>
@@ -8430,8 +8731,8 @@
                     </p:blipFill>
                     <p:spPr>
                       <a:xfrm>
-                        <a:off x="1428750" y="2940050"/>
-                        <a:ext cx="9476740" cy="2224405"/>
+                        <a:off x="933450" y="2795270"/>
+                        <a:ext cx="10164445" cy="2385695"/>
                       </a:xfrm>
                       <a:prstGeom prst="rect">
                         <a:avLst/>
@@ -8452,7 +8753,7 @@
 </p:sld>
 </file>
 
-<file path=ppt/slides/slide17.xml><?xml version="1.0" encoding="utf-8"?>
+<file path=ppt/slides/slide18.xml><?xml version="1.0" encoding="utf-8"?>
 <p:sld xmlns:a="http://schemas.openxmlformats.org/drawingml/2006/main" xmlns:r="http://schemas.openxmlformats.org/officeDocument/2006/relationships" xmlns:p="http://schemas.openxmlformats.org/presentationml/2006/main">
   <p:cSld>
     <p:spTree>
@@ -8464,52 +8765,179 @@
       <p:grpSpPr/>
       <p:sp>
         <p:nvSpPr>
-          <p:cNvPr id="5" name="Text Box 4"/>
-          <p:cNvSpPr txBox="1"/>
-          <p:nvPr/>
-        </p:nvSpPr>
-        <p:spPr>
-          <a:xfrm>
-            <a:off x="2372360" y="3178175"/>
-            <a:ext cx="8006080" cy="768350"/>
-          </a:xfrm>
-          <a:prstGeom prst="rect">
-            <a:avLst/>
-          </a:prstGeom>
-          <a:noFill/>
-        </p:spPr>
-        <p:txBody>
-          <a:bodyPr wrap="none" rtlCol="0">
-            <a:spAutoFit/>
-          </a:bodyPr>
-          <a:p>
-            <a:r>
-              <a:rPr lang="en-US" altLang="en-US" sz="4400">
-                <a:ln w="22225">
-                  <a:solidFill>
-                    <a:srgbClr val="FF0000"/>
-                  </a:solidFill>
-                  <a:prstDash val="solid"/>
-                </a:ln>
-                <a:solidFill>
-                  <a:srgbClr val="FF0000"/>
-                </a:solidFill>
-                <a:effectLst/>
+          <p:cNvPr id="2" name="Title 1"/>
+          <p:cNvSpPr>
+            <a:spLocks noGrp="1"/>
+          </p:cNvSpPr>
+          <p:nvPr>
+            <p:ph type="title"/>
+          </p:nvPr>
+        </p:nvSpPr>
+        <p:spPr/>
+        <p:txBody>
+          <a:bodyPr/>
+          <a:p>
+            <a:r>
+              <a:rPr lang="zh-CN" altLang="en-US"/>
+              <a:t>能效（产品）</a:t>
+            </a:r>
+            <a:endParaRPr lang="zh-CN" altLang="en-US"/>
+          </a:p>
+        </p:txBody>
+      </p:sp>
+      <p:sp>
+        <p:nvSpPr>
+          <p:cNvPr id="3" name="内容占位符 2"/>
+          <p:cNvSpPr/>
+          <p:nvPr>
+            <p:ph idx="1"/>
+          </p:nvPr>
+        </p:nvSpPr>
+        <p:spPr/>
+        <p:txBody>
+          <a:bodyPr/>
+          <a:p>
+            <a:r>
+              <a:rPr lang="zh-CN" altLang="en-US"/>
+              <a:t>产品需求说明书</a:t>
+            </a:r>
+            <a:endParaRPr lang="zh-CN" altLang="en-US"/>
+          </a:p>
+          <a:p>
+            <a:r>
+              <a:rPr lang="zh-CN" altLang="en-US"/>
+              <a:t>按时</a:t>
+            </a:r>
+            <a:endParaRPr lang="zh-CN" altLang="en-US"/>
+          </a:p>
+          <a:p>
+            <a:r>
+              <a:rPr lang="zh-CN" altLang="en-US"/>
+              <a:t>按质</a:t>
+            </a:r>
+            <a:endParaRPr lang="zh-CN" altLang="en-US"/>
+          </a:p>
+          <a:p>
+            <a:r>
+              <a:rPr lang="zh-CN" altLang="en-US"/>
+              <a:t>按量</a:t>
+            </a:r>
+            <a:endParaRPr lang="zh-CN" altLang="en-US"/>
+          </a:p>
+        </p:txBody>
+      </p:sp>
+    </p:spTree>
+  </p:cSld>
+  <p:clrMapOvr>
+    <a:masterClrMapping/>
+  </p:clrMapOvr>
+</p:sld>
+</file>
+
+<file path=ppt/slides/slide19.xml><?xml version="1.0" encoding="utf-8"?>
+<p:sld xmlns:a="http://schemas.openxmlformats.org/drawingml/2006/main" xmlns:r="http://schemas.openxmlformats.org/officeDocument/2006/relationships" xmlns:p="http://schemas.openxmlformats.org/presentationml/2006/main">
+  <p:cSld>
+    <p:spTree>
+      <p:nvGrpSpPr>
+        <p:cNvPr id="1" name=""/>
+        <p:cNvGrpSpPr/>
+        <p:nvPr/>
+      </p:nvGrpSpPr>
+      <p:grpSpPr/>
+      <p:sp>
+        <p:nvSpPr>
+          <p:cNvPr id="2" name="Title 1"/>
+          <p:cNvSpPr>
+            <a:spLocks noGrp="1"/>
+          </p:cNvSpPr>
+          <p:nvPr>
+            <p:ph type="title"/>
+          </p:nvPr>
+        </p:nvSpPr>
+        <p:spPr/>
+        <p:txBody>
+          <a:bodyPr/>
+          <a:p>
+            <a:r>
+              <a:rPr lang="zh-CN" altLang="en-US"/>
+              <a:t>能效（开发）</a:t>
+            </a:r>
+            <a:endParaRPr lang="zh-CN" altLang="en-US"/>
+          </a:p>
+        </p:txBody>
+      </p:sp>
+      <p:sp>
+        <p:nvSpPr>
+          <p:cNvPr id="3" name="内容占位符 2"/>
+          <p:cNvSpPr/>
+          <p:nvPr>
+            <p:ph idx="1"/>
+          </p:nvPr>
+        </p:nvSpPr>
+        <p:spPr/>
+        <p:txBody>
+          <a:bodyPr/>
+          <a:p>
+            <a:r>
+              <a:rPr lang="zh-CN" altLang="en-US"/>
+              <a:t>开发规范</a:t>
+            </a:r>
+            <a:endParaRPr lang="zh-CN" altLang="en-US"/>
+          </a:p>
+          <a:p>
+            <a:r>
+              <a:rPr lang="en-US" altLang="zh-CN">
+                <a:sym typeface="+mn-ea"/>
               </a:rPr>
-              <a:t>革命尚未成功，同志仍需努力！</a:t>
-            </a:r>
-            <a:endParaRPr lang="en-US" altLang="en-US" sz="4400">
-              <a:ln w="22225">
-                <a:solidFill>
-                  <a:srgbClr val="FF0000"/>
-                </a:solidFill>
-                <a:prstDash val="solid"/>
-              </a:ln>
-              <a:solidFill>
-                <a:srgbClr val="FF0000"/>
-              </a:solidFill>
-              <a:effectLst/>
-            </a:endParaRPr>
+              <a:t>code review</a:t>
+            </a:r>
+            <a:endParaRPr lang="zh-CN" altLang="en-US"/>
+          </a:p>
+          <a:p>
+            <a:r>
+              <a:rPr lang="zh-CN" altLang="en-US"/>
+              <a:t>单元测试</a:t>
+            </a:r>
+            <a:endParaRPr lang="zh-CN" altLang="en-US"/>
+          </a:p>
+          <a:p>
+            <a:r>
+              <a:rPr lang="zh-CN" altLang="en-US"/>
+              <a:t>按时：提测</a:t>
+            </a:r>
+            <a:endParaRPr lang="zh-CN" altLang="en-US"/>
+          </a:p>
+          <a:p>
+            <a:r>
+              <a:rPr lang="zh-CN" altLang="en-US"/>
+              <a:t>测试</a:t>
+            </a:r>
+            <a:r>
+              <a:rPr lang="en-US" altLang="zh-CN"/>
+              <a:t>bug</a:t>
+            </a:r>
+            <a:endParaRPr lang="en-US" altLang="zh-CN"/>
+          </a:p>
+          <a:p>
+            <a:r>
+              <a:rPr lang="zh-CN" altLang="en-US"/>
+              <a:t>生产</a:t>
+            </a:r>
+            <a:r>
+              <a:rPr lang="en-US" altLang="zh-CN"/>
+              <a:t>bug</a:t>
+            </a:r>
+            <a:endParaRPr lang="zh-CN" altLang="en-US"/>
+          </a:p>
+          <a:p>
+            <a:r>
+              <a:rPr lang="zh-CN" altLang="en-US"/>
+              <a:t>按量</a:t>
+            </a:r>
+            <a:endParaRPr lang="zh-CN" altLang="en-US"/>
+          </a:p>
+          <a:p>
+            <a:endParaRPr lang="en-US" altLang="zh-CN"/>
           </a:p>
         </p:txBody>
       </p:sp>
@@ -9115,6 +9543,174 @@
               <a:solidFill>
                 <a:schemeClr val="tx1"/>
               </a:solidFill>
+            </a:endParaRPr>
+          </a:p>
+        </p:txBody>
+      </p:sp>
+    </p:spTree>
+  </p:cSld>
+  <p:clrMapOvr>
+    <a:masterClrMapping/>
+  </p:clrMapOvr>
+</p:sld>
+</file>
+
+<file path=ppt/slides/slide20.xml><?xml version="1.0" encoding="utf-8"?>
+<p:sld xmlns:a="http://schemas.openxmlformats.org/drawingml/2006/main" xmlns:r="http://schemas.openxmlformats.org/officeDocument/2006/relationships" xmlns:p="http://schemas.openxmlformats.org/presentationml/2006/main">
+  <p:cSld>
+    <p:spTree>
+      <p:nvGrpSpPr>
+        <p:cNvPr id="1" name=""/>
+        <p:cNvGrpSpPr/>
+        <p:nvPr/>
+      </p:nvGrpSpPr>
+      <p:grpSpPr/>
+      <p:sp>
+        <p:nvSpPr>
+          <p:cNvPr id="2" name="Title 1"/>
+          <p:cNvSpPr>
+            <a:spLocks noGrp="1"/>
+          </p:cNvSpPr>
+          <p:nvPr>
+            <p:ph type="title"/>
+          </p:nvPr>
+        </p:nvSpPr>
+        <p:spPr/>
+        <p:txBody>
+          <a:bodyPr/>
+          <a:p>
+            <a:r>
+              <a:rPr lang="zh-CN" altLang="en-US"/>
+              <a:t>能效（测试）</a:t>
+            </a:r>
+            <a:endParaRPr lang="zh-CN" altLang="en-US"/>
+          </a:p>
+        </p:txBody>
+      </p:sp>
+      <p:sp>
+        <p:nvSpPr>
+          <p:cNvPr id="3" name="内容占位符 2"/>
+          <p:cNvSpPr/>
+          <p:nvPr>
+            <p:ph idx="1"/>
+          </p:nvPr>
+        </p:nvSpPr>
+        <p:spPr/>
+        <p:txBody>
+          <a:bodyPr/>
+          <a:p>
+            <a:r>
+              <a:rPr lang="zh-CN" altLang="en-US"/>
+              <a:t>测试案例</a:t>
+            </a:r>
+            <a:endParaRPr lang="zh-CN" altLang="en-US"/>
+          </a:p>
+          <a:p>
+            <a:r>
+              <a:rPr lang="zh-CN" altLang="en-US"/>
+              <a:t>按时</a:t>
+            </a:r>
+            <a:endParaRPr lang="zh-CN" altLang="en-US"/>
+          </a:p>
+          <a:p>
+            <a:r>
+              <a:rPr lang="zh-CN" altLang="en-US">
+                <a:sym typeface="+mn-ea"/>
+              </a:rPr>
+              <a:t>测试</a:t>
+            </a:r>
+            <a:r>
+              <a:rPr lang="en-US" altLang="zh-CN">
+                <a:sym typeface="+mn-ea"/>
+              </a:rPr>
+              <a:t>bug</a:t>
+            </a:r>
+            <a:endParaRPr lang="en-US" altLang="zh-CN">
+              <a:sym typeface="+mn-ea"/>
+            </a:endParaRPr>
+          </a:p>
+          <a:p>
+            <a:r>
+              <a:rPr lang="zh-CN" altLang="en-US">
+                <a:sym typeface="+mn-ea"/>
+              </a:rPr>
+              <a:t>生产</a:t>
+            </a:r>
+            <a:r>
+              <a:rPr lang="en-US" altLang="zh-CN">
+                <a:sym typeface="+mn-ea"/>
+              </a:rPr>
+              <a:t>bug</a:t>
+            </a:r>
+            <a:endParaRPr lang="zh-CN" altLang="en-US"/>
+          </a:p>
+        </p:txBody>
+      </p:sp>
+    </p:spTree>
+  </p:cSld>
+  <p:clrMapOvr>
+    <a:masterClrMapping/>
+  </p:clrMapOvr>
+</p:sld>
+</file>
+
+<file path=ppt/slides/slide21.xml><?xml version="1.0" encoding="utf-8"?>
+<p:sld xmlns:a="http://schemas.openxmlformats.org/drawingml/2006/main" xmlns:r="http://schemas.openxmlformats.org/officeDocument/2006/relationships" xmlns:p="http://schemas.openxmlformats.org/presentationml/2006/main">
+  <p:cSld>
+    <p:spTree>
+      <p:nvGrpSpPr>
+        <p:cNvPr id="1" name=""/>
+        <p:cNvGrpSpPr/>
+        <p:nvPr/>
+      </p:nvGrpSpPr>
+      <p:grpSpPr/>
+      <p:sp>
+        <p:nvSpPr>
+          <p:cNvPr id="5" name="Text Box 4"/>
+          <p:cNvSpPr txBox="1"/>
+          <p:nvPr/>
+        </p:nvSpPr>
+        <p:spPr>
+          <a:xfrm>
+            <a:off x="2372360" y="3178175"/>
+            <a:ext cx="8006080" cy="768350"/>
+          </a:xfrm>
+          <a:prstGeom prst="rect">
+            <a:avLst/>
+          </a:prstGeom>
+          <a:noFill/>
+        </p:spPr>
+        <p:txBody>
+          <a:bodyPr wrap="none" rtlCol="0">
+            <a:spAutoFit/>
+          </a:bodyPr>
+          <a:p>
+            <a:r>
+              <a:rPr lang="en-US" altLang="en-US" sz="4400">
+                <a:ln w="22225">
+                  <a:solidFill>
+                    <a:srgbClr val="FF0000"/>
+                  </a:solidFill>
+                  <a:prstDash val="solid"/>
+                </a:ln>
+                <a:solidFill>
+                  <a:srgbClr val="FF0000"/>
+                </a:solidFill>
+                <a:effectLst/>
+              </a:rPr>
+              <a:t>革命尚未成功，同志仍需努力！</a:t>
+            </a:r>
+            <a:endParaRPr lang="en-US" altLang="en-US" sz="4400">
+              <a:ln w="22225">
+                <a:solidFill>
+                  <a:srgbClr val="FF0000"/>
+                </a:solidFill>
+                <a:prstDash val="solid"/>
+              </a:ln>
+              <a:solidFill>
+                <a:srgbClr val="FF0000"/>
+              </a:solidFill>
+              <a:effectLst/>
             </a:endParaRPr>
           </a:p>
         </p:txBody>
@@ -9197,7 +9793,7 @@
           <a:p>
             <a:r>
               <a:rPr lang="zh-CN" altLang="en-US"/>
-              <a:t>技术架构</a:t>
+              <a:t>业务平台架构</a:t>
             </a:r>
             <a:endParaRPr lang="zh-CN" altLang="en-US"/>
           </a:p>
@@ -9248,8 +9844,8 @@
         </p:blipFill>
         <p:spPr>
           <a:xfrm>
-            <a:off x="2851785" y="1109345"/>
-            <a:ext cx="6984365" cy="5748655"/>
+            <a:off x="3338830" y="1510030"/>
+            <a:ext cx="6497320" cy="5347970"/>
           </a:xfrm>
           <a:prstGeom prst="rect">
             <a:avLst/>
@@ -9289,63 +9885,95 @@
           <a:bodyPr/>
           <a:p>
             <a:r>
-              <a:rPr lang="en-US" altLang="en-US"/>
-              <a:t>核心要素</a:t>
-            </a:r>
-            <a:endParaRPr lang="en-US" altLang="en-US"/>
-          </a:p>
-        </p:txBody>
-      </p:sp>
-      <p:sp>
-        <p:nvSpPr>
-          <p:cNvPr id="3" name="Content Placeholder 2"/>
-          <p:cNvSpPr>
-            <a:spLocks noGrp="1"/>
-          </p:cNvSpPr>
-          <p:nvPr>
-            <p:ph idx="1"/>
-          </p:nvPr>
-        </p:nvSpPr>
-        <p:spPr/>
-        <p:txBody>
-          <a:bodyPr/>
-          <a:p>
-            <a:r>
-              <a:rPr lang="en-US" altLang="en-US"/>
-              <a:t>高可用</a:t>
-            </a:r>
-            <a:endParaRPr lang="en-US" altLang="en-US"/>
-          </a:p>
-          <a:p>
-            <a:r>
-              <a:rPr lang="en-US" altLang="en-US"/>
-              <a:t>高性能</a:t>
-            </a:r>
-            <a:endParaRPr lang="en-US" altLang="en-US"/>
-          </a:p>
-          <a:p>
-            <a:r>
-              <a:rPr lang="en-US" altLang="en-US"/>
-              <a:t>可扩展性</a:t>
-            </a:r>
-            <a:endParaRPr lang="en-US" altLang="en-US"/>
-          </a:p>
-          <a:p>
-            <a:r>
-              <a:rPr lang="en-US" altLang="en-US"/>
-              <a:t>可伸缩性</a:t>
-            </a:r>
-            <a:endParaRPr lang="en-US" altLang="en-US"/>
-          </a:p>
-          <a:p>
-            <a:r>
-              <a:rPr lang="en-US" altLang="en-US"/>
-              <a:t>安全</a:t>
-            </a:r>
-            <a:endParaRPr lang="en-US" altLang="en-US"/>
-          </a:p>
-        </p:txBody>
-      </p:sp>
+              <a:rPr lang="zh-CN" altLang="en-US"/>
+              <a:t>数据平台架构</a:t>
+            </a:r>
+            <a:endParaRPr lang="zh-CN" altLang="en-US"/>
+          </a:p>
+        </p:txBody>
+      </p:sp>
+      <p:sp>
+        <p:nvSpPr>
+          <p:cNvPr id="4" name="文本框 3"/>
+          <p:cNvSpPr txBox="1"/>
+          <p:nvPr/>
+        </p:nvSpPr>
+        <p:spPr>
+          <a:xfrm>
+            <a:off x="3048000" y="3244850"/>
+            <a:ext cx="6096000" cy="368300"/>
+          </a:xfrm>
+          <a:prstGeom prst="rect">
+            <a:avLst/>
+          </a:prstGeom>
+          <a:noFill/>
+        </p:spPr>
+        <p:txBody>
+          <a:bodyPr wrap="square" rtlCol="0" anchor="t">
+            <a:spAutoFit/>
+          </a:bodyPr>
+          <a:p>
+            <a:r>
+              <a:rPr lang="zh-CN" altLang="en-US"/>
+              <a:t> </a:t>
+            </a:r>
+            <a:endParaRPr lang="zh-CN" altLang="en-US"/>
+          </a:p>
+        </p:txBody>
+      </p:sp>
+      <p:graphicFrame>
+        <p:nvGraphicFramePr>
+          <p:cNvPr id="7" name="对象 6"/>
+          <p:cNvGraphicFramePr/>
+          <p:nvPr>
+            <p:custDataLst>
+              <p:tags r:id="rId1"/>
+            </p:custDataLst>
+          </p:nvPr>
+        </p:nvGraphicFramePr>
+        <p:xfrm>
+          <a:off x="3396615" y="1559560"/>
+          <a:ext cx="6626225" cy="5196840"/>
+        </p:xfrm>
+        <a:graphic>
+          <a:graphicData uri="http://schemas.openxmlformats.org/presentationml/2006/ole">
+            <mc:AlternateContent xmlns:mc="http://schemas.openxmlformats.org/markup-compatibility/2006">
+              <mc:Choice xmlns:v="urn:schemas-microsoft-com:vml" Requires="v">
+                <p:oleObj spid="_x0000_s8" name="" r:id="rId2" imgW="5957570" imgH="5202555" progId="Visio.Drawing.15">
+                  <p:embed/>
+                </p:oleObj>
+              </mc:Choice>
+              <mc:Fallback>
+                <p:oleObj name="" r:id="rId2" imgW="5957570" imgH="5202555" progId="Visio.Drawing.15">
+                  <p:embed/>
+                  <p:pic>
+                    <p:nvPicPr>
+                      <p:cNvPr id="0" name="图片 7"/>
+                      <p:cNvPicPr/>
+                      <p:nvPr/>
+                    </p:nvPicPr>
+                    <p:blipFill>
+                      <a:blip r:embed="rId3"/>
+                      <a:stretch>
+                        <a:fillRect/>
+                      </a:stretch>
+                    </p:blipFill>
+                    <p:spPr>
+                      <a:xfrm>
+                        <a:off x="3396615" y="1559560"/>
+                        <a:ext cx="6626225" cy="5196840"/>
+                      </a:xfrm>
+                      <a:prstGeom prst="rect">
+                        <a:avLst/>
+                      </a:prstGeom>
+                    </p:spPr>
+                  </p:pic>
+                </p:oleObj>
+              </mc:Fallback>
+            </mc:AlternateContent>
+          </a:graphicData>
+        </a:graphic>
+      </p:graphicFrame>
     </p:spTree>
   </p:cSld>
   <p:clrMapOvr>
@@ -9380,7 +10008,7 @@
           <a:p>
             <a:r>
               <a:rPr lang="en-US" altLang="en-US"/>
-              <a:t>方法要点</a:t>
+              <a:t>核心要素</a:t>
             </a:r>
             <a:endParaRPr lang="en-US" altLang="en-US"/>
           </a:p>
@@ -9402,40 +10030,35 @@
           <a:p>
             <a:r>
               <a:rPr lang="en-US" altLang="en-US"/>
-              <a:t>面向对象</a:t>
-            </a:r>
-            <a:r>
-              <a:rPr lang="zh-CN" altLang="en-US"/>
-              <a:t>分析、</a:t>
-            </a:r>
+              <a:t>高可用</a:t>
+            </a:r>
+            <a:endParaRPr lang="en-US" altLang="en-US"/>
+          </a:p>
+          <a:p>
             <a:r>
               <a:rPr lang="en-US" altLang="en-US"/>
-              <a:t>设计</a:t>
-            </a:r>
-            <a:r>
-              <a:rPr lang="zh-CN" altLang="en-US"/>
-              <a:t>和编程</a:t>
+              <a:t>高性能</a:t>
             </a:r>
             <a:endParaRPr lang="en-US" altLang="en-US"/>
           </a:p>
           <a:p>
             <a:r>
               <a:rPr lang="en-US" altLang="en-US"/>
-              <a:t>UML</a:t>
+              <a:t>可扩展性</a:t>
             </a:r>
             <a:endParaRPr lang="en-US" altLang="en-US"/>
           </a:p>
           <a:p>
             <a:r>
               <a:rPr lang="en-US" altLang="en-US"/>
-              <a:t>设计原则</a:t>
+              <a:t>可伸缩性</a:t>
             </a:r>
             <a:endParaRPr lang="en-US" altLang="en-US"/>
           </a:p>
           <a:p>
             <a:r>
               <a:rPr lang="en-US" altLang="en-US"/>
-              <a:t>设计模式</a:t>
+              <a:t>安全</a:t>
             </a:r>
             <a:endParaRPr lang="en-US" altLang="en-US"/>
           </a:p>
@@ -9450,6 +10073,101 @@
 </file>
 
 <file path=ppt/slides/slide7.xml><?xml version="1.0" encoding="utf-8"?>
+<p:sld xmlns:a="http://schemas.openxmlformats.org/drawingml/2006/main" xmlns:r="http://schemas.openxmlformats.org/officeDocument/2006/relationships" xmlns:p="http://schemas.openxmlformats.org/presentationml/2006/main">
+  <p:cSld>
+    <p:spTree>
+      <p:nvGrpSpPr>
+        <p:cNvPr id="1" name=""/>
+        <p:cNvGrpSpPr/>
+        <p:nvPr/>
+      </p:nvGrpSpPr>
+      <p:grpSpPr/>
+      <p:sp>
+        <p:nvSpPr>
+          <p:cNvPr id="2" name="Title 1"/>
+          <p:cNvSpPr>
+            <a:spLocks noGrp="1"/>
+          </p:cNvSpPr>
+          <p:nvPr>
+            <p:ph type="title"/>
+          </p:nvPr>
+        </p:nvSpPr>
+        <p:spPr/>
+        <p:txBody>
+          <a:bodyPr/>
+          <a:p>
+            <a:r>
+              <a:rPr lang="en-US" altLang="en-US"/>
+              <a:t>方法要点</a:t>
+            </a:r>
+            <a:endParaRPr lang="en-US" altLang="en-US"/>
+          </a:p>
+        </p:txBody>
+      </p:sp>
+      <p:sp>
+        <p:nvSpPr>
+          <p:cNvPr id="3" name="Content Placeholder 2"/>
+          <p:cNvSpPr>
+            <a:spLocks noGrp="1"/>
+          </p:cNvSpPr>
+          <p:nvPr>
+            <p:ph idx="1"/>
+          </p:nvPr>
+        </p:nvSpPr>
+        <p:spPr/>
+        <p:txBody>
+          <a:bodyPr/>
+          <a:p>
+            <a:r>
+              <a:rPr lang="en-US" altLang="en-US"/>
+              <a:t>面向对象</a:t>
+            </a:r>
+            <a:r>
+              <a:rPr lang="zh-CN" altLang="en-US"/>
+              <a:t>分析、</a:t>
+            </a:r>
+            <a:r>
+              <a:rPr lang="en-US" altLang="en-US"/>
+              <a:t>设计</a:t>
+            </a:r>
+            <a:r>
+              <a:rPr lang="zh-CN" altLang="en-US"/>
+              <a:t>和编程</a:t>
+            </a:r>
+            <a:endParaRPr lang="en-US" altLang="en-US"/>
+          </a:p>
+          <a:p>
+            <a:r>
+              <a:rPr lang="en-US" altLang="en-US"/>
+              <a:t>UML</a:t>
+            </a:r>
+            <a:endParaRPr lang="en-US" altLang="en-US"/>
+          </a:p>
+          <a:p>
+            <a:r>
+              <a:rPr lang="en-US" altLang="en-US"/>
+              <a:t>设计原则</a:t>
+            </a:r>
+            <a:endParaRPr lang="en-US" altLang="en-US"/>
+          </a:p>
+          <a:p>
+            <a:r>
+              <a:rPr lang="en-US" altLang="en-US"/>
+              <a:t>设计模式</a:t>
+            </a:r>
+            <a:endParaRPr lang="en-US" altLang="en-US"/>
+          </a:p>
+        </p:txBody>
+      </p:sp>
+    </p:spTree>
+  </p:cSld>
+  <p:clrMapOvr>
+    <a:masterClrMapping/>
+  </p:clrMapOvr>
+</p:sld>
+</file>
+
+<file path=ppt/slides/slide8.xml><?xml version="1.0" encoding="utf-8"?>
 <p:sld xmlns:a="http://schemas.openxmlformats.org/drawingml/2006/main" xmlns:r="http://schemas.openxmlformats.org/officeDocument/2006/relationships" xmlns:p="http://schemas.openxmlformats.org/presentationml/2006/main">
   <p:cSld>
     <p:spTree>
@@ -9656,6 +10374,61 @@
           </a:p>
         </p:txBody>
       </p:sp>
+      <p:sp>
+        <p:nvSpPr>
+          <p:cNvPr id="4" name="Rectangle 13"/>
+          <p:cNvSpPr/>
+          <p:nvPr>
+            <p:custDataLst>
+              <p:tags r:id="rId1"/>
+            </p:custDataLst>
+          </p:nvPr>
+        </p:nvSpPr>
+        <p:spPr>
+          <a:xfrm>
+            <a:off x="6499860" y="3020695"/>
+            <a:ext cx="1102360" cy="488315"/>
+          </a:xfrm>
+          <a:prstGeom prst="rect">
+            <a:avLst/>
+          </a:prstGeom>
+          <a:solidFill>
+            <a:schemeClr val="accent1">
+              <a:lumMod val="50000"/>
+            </a:schemeClr>
+          </a:solidFill>
+          <a:ln>
+            <a:noFill/>
+          </a:ln>
+        </p:spPr>
+        <p:style>
+          <a:lnRef idx="2">
+            <a:schemeClr val="accent1">
+              <a:shade val="50000"/>
+            </a:schemeClr>
+          </a:lnRef>
+          <a:fillRef idx="1">
+            <a:schemeClr val="accent1"/>
+          </a:fillRef>
+          <a:effectRef idx="0">
+            <a:schemeClr val="accent1"/>
+          </a:effectRef>
+          <a:fontRef idx="minor">
+            <a:schemeClr val="lt1"/>
+          </a:fontRef>
+        </p:style>
+        <p:txBody>
+          <a:bodyPr rtlCol="0" anchor="ctr"/>
+          <a:p>
+            <a:pPr algn="ctr"/>
+            <a:r>
+              <a:rPr lang="zh-CN" altLang="en-US" sz="1600"/>
+              <a:t>资金管理</a:t>
+            </a:r>
+            <a:endParaRPr lang="zh-CN" altLang="en-US" sz="1600"/>
+          </a:p>
+        </p:txBody>
+      </p:sp>
     </p:spTree>
   </p:cSld>
   <p:clrMapOvr>
@@ -9664,7 +10437,7 @@
 </p:sld>
 </file>
 
-<file path=ppt/slides/slide8.xml><?xml version="1.0" encoding="utf-8"?>
+<file path=ppt/slides/slide9.xml><?xml version="1.0" encoding="utf-8"?>
 <p:sld xmlns:a="http://schemas.openxmlformats.org/drawingml/2006/main" xmlns:r="http://schemas.openxmlformats.org/officeDocument/2006/relationships" xmlns:p="http://schemas.openxmlformats.org/presentationml/2006/main">
   <p:cSld>
     <p:spTree>
@@ -10237,72 +11010,6 @@
               <a:t>对账差错</a:t>
             </a:r>
             <a:endParaRPr lang="zh-CN" altLang="en-US" sz="1600"/>
-          </a:p>
-        </p:txBody>
-      </p:sp>
-    </p:spTree>
-  </p:cSld>
-  <p:clrMapOvr>
-    <a:masterClrMapping/>
-  </p:clrMapOvr>
-</p:sld>
-</file>
-
-<file path=ppt/slides/slide9.xml><?xml version="1.0" encoding="utf-8"?>
-<p:sld xmlns:a="http://schemas.openxmlformats.org/drawingml/2006/main" xmlns:r="http://schemas.openxmlformats.org/officeDocument/2006/relationships" xmlns:p="http://schemas.openxmlformats.org/presentationml/2006/main">
-  <p:cSld>
-    <p:spTree>
-      <p:nvGrpSpPr>
-        <p:cNvPr id="1" name=""/>
-        <p:cNvGrpSpPr/>
-        <p:nvPr/>
-      </p:nvGrpSpPr>
-      <p:grpSpPr/>
-      <p:sp>
-        <p:nvSpPr>
-          <p:cNvPr id="2" name="Title 1"/>
-          <p:cNvSpPr>
-            <a:spLocks noGrp="1"/>
-          </p:cNvSpPr>
-          <p:nvPr>
-            <p:ph type="title"/>
-          </p:nvPr>
-        </p:nvSpPr>
-        <p:spPr/>
-        <p:txBody>
-          <a:bodyPr/>
-          <a:p>
-            <a:r>
-              <a:rPr lang="zh-CN" altLang="en-US"/>
-              <a:t>数据</a:t>
-            </a:r>
-            <a:r>
-              <a:rPr lang="en-US" altLang="en-US"/>
-              <a:t>中台</a:t>
-            </a:r>
-            <a:endParaRPr lang="en-US" altLang="en-US"/>
-          </a:p>
-        </p:txBody>
-      </p:sp>
-      <p:sp>
-        <p:nvSpPr>
-          <p:cNvPr id="3" name="Content Placeholder 2"/>
-          <p:cNvSpPr>
-            <a:spLocks noGrp="1"/>
-          </p:cNvSpPr>
-          <p:nvPr>
-            <p:ph idx="1"/>
-          </p:nvPr>
-        </p:nvSpPr>
-        <p:spPr/>
-        <p:txBody>
-          <a:bodyPr/>
-          <a:p>
-            <a:r>
-              <a:rPr lang="en-US" sz="2800"/>
-              <a:t>挖掘数据价值，实现数据驱动业务</a:t>
-            </a:r>
-            <a:endParaRPr lang="en-US" sz="2800"/>
           </a:p>
         </p:txBody>
       </p:sp>
@@ -10591,6 +11298,24 @@
 </file>
 
 <file path=ppt/tags/tag51.xml><?xml version="1.0" encoding="utf-8"?>
+<p:tagLst xmlns:p="http://schemas.openxmlformats.org/presentationml/2006/main">
+  <p:tag name="KSO_WM_BEAUTIFY_FLAG" val=""/>
+</p:tagLst>
+</file>
+
+<file path=ppt/tags/tag52.xml><?xml version="1.0" encoding="utf-8"?>
+<p:tagLst xmlns:p="http://schemas.openxmlformats.org/presentationml/2006/main">
+  <p:tag name="KSO_WM_BEAUTIFY_FLAG" val=""/>
+</p:tagLst>
+</file>
+
+<file path=ppt/tags/tag53.xml><?xml version="1.0" encoding="utf-8"?>
+<p:tagLst xmlns:p="http://schemas.openxmlformats.org/presentationml/2006/main">
+  <p:tag name="KSO_WM_BEAUTIFY_FLAG" val=""/>
+</p:tagLst>
+</file>
+
+<file path=ppt/tags/tag54.xml><?xml version="1.0" encoding="utf-8"?>
 <p:tagLst xmlns:p="http://schemas.openxmlformats.org/presentationml/2006/main">
   <p:tag name="KSO_WPP_MARK_KEY" val="73001d99-5fbd-4fbd-a894-579de39c0a0a"/>
   <p:tag name="COMMONDATA" val="eyJoZGlkIjoiMzEwNTM5NzYwMDRjMzkwZTVkZjY2ODkwMGIxNGU0OTUifQ=="/>

--- a/assets/attachment/关于软件架构 - v2.pptx
+++ b/assets/attachment/关于软件架构 - v2.pptx
@@ -4826,10 +4826,6 @@
           <a:bodyPr rtlCol="0" anchor="ctr"/>
           <a:p>
             <a:pPr algn="ctr"/>
-            <a:r>
-              <a:rPr lang="zh-CN" altLang="en-US" sz="1600"/>
-              <a:t>交易</a:t>
-            </a:r>
             <a:endParaRPr lang="zh-CN" altLang="en-US" sz="1600"/>
           </a:p>
         </p:txBody>
@@ -8806,21 +8802,35 @@
           <a:p>
             <a:r>
               <a:rPr lang="zh-CN" altLang="en-US"/>
-              <a:t>按时</a:t>
+              <a:t>及时率</a:t>
             </a:r>
             <a:endParaRPr lang="zh-CN" altLang="en-US"/>
           </a:p>
           <a:p>
             <a:r>
               <a:rPr lang="zh-CN" altLang="en-US"/>
-              <a:t>按质</a:t>
+              <a:t>质量（疑问点，漏考虑和错误等）</a:t>
             </a:r>
             <a:endParaRPr lang="zh-CN" altLang="en-US"/>
           </a:p>
           <a:p>
             <a:r>
               <a:rPr lang="zh-CN" altLang="en-US"/>
-              <a:t>按量</a:t>
+              <a:t>工作饱和度</a:t>
+            </a:r>
+            <a:endParaRPr lang="zh-CN" altLang="en-US"/>
+          </a:p>
+          <a:p>
+            <a:r>
+              <a:rPr lang="zh-CN" altLang="en-US"/>
+              <a:t>工作完成度</a:t>
+            </a:r>
+            <a:endParaRPr lang="zh-CN" altLang="en-US"/>
+          </a:p>
+          <a:p>
+            <a:r>
+              <a:rPr lang="zh-CN" altLang="en-US"/>
+              <a:t>产品预研</a:t>
             </a:r>
             <a:endParaRPr lang="zh-CN" altLang="en-US"/>
           </a:p>
@@ -8879,65 +8889,79 @@
           <a:bodyPr/>
           <a:p>
             <a:r>
-              <a:rPr lang="zh-CN" altLang="en-US"/>
+              <a:rPr lang="zh-CN" altLang="en-US" sz="2800"/>
+              <a:t>技术设计</a:t>
+            </a:r>
+            <a:endParaRPr lang="zh-CN" altLang="en-US" sz="2800"/>
+          </a:p>
+          <a:p>
+            <a:r>
+              <a:rPr lang="zh-CN" altLang="en-US" sz="2800"/>
               <a:t>开发规范</a:t>
             </a:r>
-            <a:endParaRPr lang="zh-CN" altLang="en-US"/>
-          </a:p>
-          <a:p>
-            <a:r>
-              <a:rPr lang="en-US" altLang="zh-CN">
+            <a:endParaRPr lang="zh-CN" altLang="en-US" sz="2800"/>
+          </a:p>
+          <a:p>
+            <a:r>
+              <a:rPr lang="en-US" altLang="zh-CN" sz="2800">
                 <a:sym typeface="+mn-ea"/>
               </a:rPr>
               <a:t>code review</a:t>
             </a:r>
-            <a:endParaRPr lang="zh-CN" altLang="en-US"/>
-          </a:p>
-          <a:p>
-            <a:r>
-              <a:rPr lang="zh-CN" altLang="en-US"/>
+            <a:endParaRPr lang="zh-CN" altLang="en-US" sz="2800"/>
+          </a:p>
+          <a:p>
+            <a:r>
+              <a:rPr lang="zh-CN" altLang="en-US" sz="2800"/>
               <a:t>单元测试</a:t>
             </a:r>
-            <a:endParaRPr lang="zh-CN" altLang="en-US"/>
-          </a:p>
-          <a:p>
-            <a:r>
-              <a:rPr lang="zh-CN" altLang="en-US"/>
-              <a:t>按时：提测</a:t>
-            </a:r>
-            <a:endParaRPr lang="zh-CN" altLang="en-US"/>
-          </a:p>
-          <a:p>
-            <a:r>
-              <a:rPr lang="zh-CN" altLang="en-US"/>
+            <a:endParaRPr lang="zh-CN" altLang="en-US" sz="2800"/>
+          </a:p>
+          <a:p>
+            <a:r>
+              <a:rPr lang="zh-CN" altLang="en-US" sz="2800"/>
+              <a:t>及时率</a:t>
+            </a:r>
+            <a:endParaRPr lang="zh-CN" altLang="en-US" sz="2800"/>
+          </a:p>
+          <a:p>
+            <a:r>
+              <a:rPr lang="zh-CN" altLang="en-US" sz="2800"/>
               <a:t>测试</a:t>
             </a:r>
             <a:r>
-              <a:rPr lang="en-US" altLang="zh-CN"/>
+              <a:rPr lang="en-US" altLang="zh-CN" sz="2800"/>
               <a:t>bug</a:t>
             </a:r>
-            <a:endParaRPr lang="en-US" altLang="zh-CN"/>
-          </a:p>
-          <a:p>
-            <a:r>
-              <a:rPr lang="zh-CN" altLang="en-US"/>
+            <a:endParaRPr lang="en-US" altLang="zh-CN" sz="2800"/>
+          </a:p>
+          <a:p>
+            <a:r>
+              <a:rPr lang="zh-CN" altLang="en-US" sz="2800"/>
               <a:t>生产</a:t>
             </a:r>
             <a:r>
-              <a:rPr lang="en-US" altLang="zh-CN"/>
+              <a:rPr lang="en-US" altLang="zh-CN" sz="2800"/>
               <a:t>bug</a:t>
             </a:r>
-            <a:endParaRPr lang="zh-CN" altLang="en-US"/>
-          </a:p>
-          <a:p>
-            <a:r>
-              <a:rPr lang="zh-CN" altLang="en-US"/>
-              <a:t>按量</a:t>
-            </a:r>
-            <a:endParaRPr lang="zh-CN" altLang="en-US"/>
-          </a:p>
-          <a:p>
-            <a:endParaRPr lang="en-US" altLang="zh-CN"/>
+            <a:endParaRPr lang="zh-CN" altLang="en-US" sz="2800"/>
+          </a:p>
+          <a:p>
+            <a:r>
+              <a:rPr lang="zh-CN" altLang="en-US" sz="2800"/>
+              <a:t>工作饱和度</a:t>
+            </a:r>
+            <a:endParaRPr lang="zh-CN" altLang="en-US" sz="2800"/>
+          </a:p>
+          <a:p>
+            <a:r>
+              <a:rPr lang="zh-CN" altLang="en-US" sz="2800"/>
+              <a:t>工作完成度</a:t>
+            </a:r>
+            <a:endParaRPr lang="zh-CN" altLang="en-US" sz="2800"/>
+          </a:p>
+          <a:p>
+            <a:endParaRPr lang="zh-CN" altLang="en-US" sz="2800"/>
           </a:p>
         </p:txBody>
       </p:sp>
@@ -9608,7 +9632,7 @@
           <a:p>
             <a:r>
               <a:rPr lang="zh-CN" altLang="en-US"/>
-              <a:t>按时</a:t>
+              <a:t>及时率</a:t>
             </a:r>
             <a:endParaRPr lang="zh-CN" altLang="en-US"/>
           </a:p>
@@ -9641,6 +9665,26 @@
                 <a:sym typeface="+mn-ea"/>
               </a:rPr>
               <a:t>bug</a:t>
+            </a:r>
+            <a:endParaRPr lang="en-US" altLang="zh-CN">
+              <a:sym typeface="+mn-ea"/>
+            </a:endParaRPr>
+          </a:p>
+          <a:p>
+            <a:r>
+              <a:rPr lang="zh-CN" altLang="en-US">
+                <a:sym typeface="+mn-ea"/>
+              </a:rPr>
+              <a:t>工作饱和度</a:t>
+            </a:r>
+            <a:endParaRPr lang="zh-CN" altLang="en-US"/>
+          </a:p>
+          <a:p>
+            <a:r>
+              <a:rPr lang="zh-CN" altLang="en-US">
+                <a:sym typeface="+mn-ea"/>
+              </a:rPr>
+              <a:t>完成度</a:t>
             </a:r>
             <a:endParaRPr lang="zh-CN" altLang="en-US"/>
           </a:p>

--- a/assets/attachment/关于软件架构 - v2.pptx
+++ b/assets/attachment/关于软件架构 - v2.pptx
@@ -17,23 +17,22 @@
     <p:sldId id="275" r:id="rId10"/>
     <p:sldId id="272" r:id="rId11"/>
     <p:sldId id="291" r:id="rId12"/>
-    <p:sldId id="290" r:id="rId13"/>
-    <p:sldId id="271" r:id="rId14"/>
-    <p:sldId id="273" r:id="rId15"/>
-    <p:sldId id="289" r:id="rId16"/>
-    <p:sldId id="295" r:id="rId17"/>
-    <p:sldId id="288" r:id="rId18"/>
-    <p:sldId id="292" r:id="rId19"/>
-    <p:sldId id="293" r:id="rId20"/>
-    <p:sldId id="308" r:id="rId21"/>
-    <p:sldId id="309" r:id="rId22"/>
-    <p:sldId id="310" r:id="rId23"/>
-    <p:sldId id="274" r:id="rId24"/>
+    <p:sldId id="271" r:id="rId13"/>
+    <p:sldId id="273" r:id="rId14"/>
+    <p:sldId id="289" r:id="rId15"/>
+    <p:sldId id="295" r:id="rId16"/>
+    <p:sldId id="288" r:id="rId17"/>
+    <p:sldId id="292" r:id="rId18"/>
+    <p:sldId id="293" r:id="rId19"/>
+    <p:sldId id="308" r:id="rId20"/>
+    <p:sldId id="309" r:id="rId21"/>
+    <p:sldId id="310" r:id="rId22"/>
+    <p:sldId id="274" r:id="rId23"/>
   </p:sldIdLst>
   <p:sldSz cx="12192000" cy="6858000"/>
   <p:notesSz cx="6858000" cy="9144000"/>
   <p:custDataLst>
-    <p:tags r:id="rId28"/>
+    <p:tags r:id="rId27"/>
   </p:custDataLst>
   <p:defaultTextStyle>
     <a:defPPr>
@@ -540,7 +539,7 @@
       <p:grpSpPr/>
       <p:sp>
         <p:nvSpPr>
-          <p:cNvPr id="2" name="幻灯片图像占位符 1"/>
+          <p:cNvPr id="2" name="Slide Image Placeholder 1"/>
           <p:cNvSpPr/>
           <p:nvPr>
             <p:ph type="sldImg" idx="2"/>
@@ -550,7 +549,7 @@
       </p:sp>
       <p:sp>
         <p:nvSpPr>
-          <p:cNvPr id="3" name="文本占位符 2"/>
+          <p:cNvPr id="3" name="Text Placeholder 2"/>
           <p:cNvSpPr/>
           <p:nvPr>
             <p:ph type="body" idx="3"/>
@@ -560,7 +559,7 @@
         <p:txBody>
           <a:bodyPr/>
           <a:p>
-            <a:endParaRPr lang="zh-CN" altLang="en-US"/>
+            <a:endParaRPr lang="en-US"/>
           </a:p>
         </p:txBody>
       </p:sp>
@@ -648,6 +647,10 @@
         <p:txBody>
           <a:bodyPr/>
           <a:p>
+            <a:r>
+              <a:rPr lang="en-US"/>
+              <a:t>自顶向下做顶层设计、自下而上做服务建设</a:t>
+            </a:r>
             <a:endParaRPr lang="en-US"/>
           </a:p>
         </p:txBody>
@@ -693,10 +696,10 @@
           <a:bodyPr/>
           <a:p>
             <a:r>
-              <a:rPr lang="en-US"/>
-              <a:t>自顶向下做顶层设计、自下而上做服务建设</a:t>
-            </a:r>
-            <a:endParaRPr lang="en-US"/>
+              <a:rPr lang="zh-CN" altLang="en-US"/>
+              <a:t>运维：操作系统、运维自动化、虚拟化与容器、网络与安全、监控体系建设、业务支撑能力</a:t>
+            </a:r>
+            <a:endParaRPr lang="zh-CN" altLang="en-US"/>
           </a:p>
         </p:txBody>
       </p:sp>
@@ -740,11 +743,7 @@
         <p:txBody>
           <a:bodyPr/>
           <a:p>
-            <a:r>
-              <a:rPr lang="zh-CN" altLang="en-US"/>
-              <a:t>运维：操作系统、运维自动化、虚拟化与容器、网络与安全、监控体系建设、业务支撑能力</a:t>
-            </a:r>
-            <a:endParaRPr lang="zh-CN" altLang="en-US"/>
+            <a:endParaRPr lang="en-US"/>
           </a:p>
         </p:txBody>
       </p:sp>
@@ -1065,50 +1064,6 @@
 </file>
 
 <file path=ppt/notesSlides/notesSlide20.xml><?xml version="1.0" encoding="utf-8"?>
-<p:notes xmlns:a="http://schemas.openxmlformats.org/drawingml/2006/main" xmlns:r="http://schemas.openxmlformats.org/officeDocument/2006/relationships" xmlns:p="http://schemas.openxmlformats.org/presentationml/2006/main">
-  <p:cSld>
-    <p:spTree>
-      <p:nvGrpSpPr>
-        <p:cNvPr id="1" name=""/>
-        <p:cNvGrpSpPr/>
-        <p:nvPr/>
-      </p:nvGrpSpPr>
-      <p:grpSpPr/>
-      <p:sp>
-        <p:nvSpPr>
-          <p:cNvPr id="2" name="Slide Image Placeholder 1"/>
-          <p:cNvSpPr/>
-          <p:nvPr>
-            <p:ph type="sldImg" idx="2"/>
-          </p:nvPr>
-        </p:nvSpPr>
-        <p:spPr/>
-      </p:sp>
-      <p:sp>
-        <p:nvSpPr>
-          <p:cNvPr id="3" name="Text Placeholder 2"/>
-          <p:cNvSpPr/>
-          <p:nvPr>
-            <p:ph type="body" idx="3"/>
-          </p:nvPr>
-        </p:nvSpPr>
-        <p:spPr/>
-        <p:txBody>
-          <a:bodyPr/>
-          <a:p>
-            <a:endParaRPr lang="en-US"/>
-          </a:p>
-        </p:txBody>
-      </p:sp>
-    </p:spTree>
-  </p:cSld>
-  <p:clrMapOvr>
-    <a:masterClrMapping/>
-  </p:clrMapOvr>
-</p:notes>
-</file>
-
-<file path=ppt/notesSlides/notesSlide21.xml><?xml version="1.0" encoding="utf-8"?>
 <p:notes xmlns:a="http://schemas.openxmlformats.org/drawingml/2006/main" xmlns:r="http://schemas.openxmlformats.org/officeDocument/2006/relationships" xmlns:p="http://schemas.openxmlformats.org/presentationml/2006/main">
   <p:cSld>
     <p:spTree>
@@ -4746,123 +4701,6 @@
           <a:bodyPr/>
           <a:p>
             <a:r>
-              <a:rPr lang="zh-CN" altLang="en-US"/>
-              <a:t>数据</a:t>
-            </a:r>
-            <a:r>
-              <a:rPr lang="en-US" altLang="en-US"/>
-              <a:t>中台</a:t>
-            </a:r>
-            <a:endParaRPr lang="en-US" altLang="en-US"/>
-          </a:p>
-        </p:txBody>
-      </p:sp>
-      <p:sp>
-        <p:nvSpPr>
-          <p:cNvPr id="3" name="Content Placeholder 2"/>
-          <p:cNvSpPr>
-            <a:spLocks noGrp="1"/>
-          </p:cNvSpPr>
-          <p:nvPr>
-            <p:ph idx="1"/>
-          </p:nvPr>
-        </p:nvSpPr>
-        <p:spPr/>
-        <p:txBody>
-          <a:bodyPr/>
-          <a:p>
-            <a:r>
-              <a:rPr lang="en-US" sz="2800"/>
-              <a:t>挖掘数据价值，实现数据驱动业务</a:t>
-            </a:r>
-            <a:endParaRPr lang="en-US" sz="2800"/>
-          </a:p>
-        </p:txBody>
-      </p:sp>
-      <p:sp>
-        <p:nvSpPr>
-          <p:cNvPr id="16" name="Rectangle 15"/>
-          <p:cNvSpPr/>
-          <p:nvPr>
-            <p:custDataLst>
-              <p:tags r:id="rId1"/>
-            </p:custDataLst>
-          </p:nvPr>
-        </p:nvSpPr>
-        <p:spPr>
-          <a:xfrm>
-            <a:off x="1564005" y="3020695"/>
-            <a:ext cx="1102360" cy="488315"/>
-          </a:xfrm>
-          <a:prstGeom prst="rect">
-            <a:avLst/>
-          </a:prstGeom>
-          <a:solidFill>
-            <a:schemeClr val="accent1">
-              <a:lumMod val="50000"/>
-            </a:schemeClr>
-          </a:solidFill>
-          <a:ln>
-            <a:noFill/>
-          </a:ln>
-        </p:spPr>
-        <p:style>
-          <a:lnRef idx="2">
-            <a:schemeClr val="accent1">
-              <a:shade val="50000"/>
-            </a:schemeClr>
-          </a:lnRef>
-          <a:fillRef idx="1">
-            <a:schemeClr val="accent1"/>
-          </a:fillRef>
-          <a:effectRef idx="0">
-            <a:schemeClr val="accent1"/>
-          </a:effectRef>
-          <a:fontRef idx="minor">
-            <a:schemeClr val="lt1"/>
-          </a:fontRef>
-        </p:style>
-        <p:txBody>
-          <a:bodyPr rtlCol="0" anchor="ctr"/>
-          <a:p>
-            <a:pPr algn="ctr"/>
-            <a:endParaRPr lang="zh-CN" altLang="en-US" sz="1600"/>
-          </a:p>
-        </p:txBody>
-      </p:sp>
-    </p:spTree>
-  </p:cSld>
-  <p:clrMapOvr>
-    <a:masterClrMapping/>
-  </p:clrMapOvr>
-</p:sld>
-</file>
-
-<file path=ppt/slides/slide11.xml><?xml version="1.0" encoding="utf-8"?>
-<p:sld xmlns:a="http://schemas.openxmlformats.org/drawingml/2006/main" xmlns:r="http://schemas.openxmlformats.org/officeDocument/2006/relationships" xmlns:p="http://schemas.openxmlformats.org/presentationml/2006/main">
-  <p:cSld>
-    <p:spTree>
-      <p:nvGrpSpPr>
-        <p:cNvPr id="1" name=""/>
-        <p:cNvGrpSpPr/>
-        <p:nvPr/>
-      </p:nvGrpSpPr>
-      <p:grpSpPr/>
-      <p:sp>
-        <p:nvSpPr>
-          <p:cNvPr id="2" name="Title 1"/>
-          <p:cNvSpPr>
-            <a:spLocks noGrp="1"/>
-          </p:cNvSpPr>
-          <p:nvPr>
-            <p:ph type="title"/>
-          </p:nvPr>
-        </p:nvSpPr>
-        <p:spPr/>
-        <p:txBody>
-          <a:bodyPr/>
-          <a:p>
-            <a:r>
               <a:rPr lang="en-US" altLang="en-US"/>
               <a:t>技术</a:t>
             </a:r>
@@ -5732,7 +5570,7 @@
 </p:sld>
 </file>
 
-<file path=ppt/slides/slide12.xml><?xml version="1.0" encoding="utf-8"?>
+<file path=ppt/slides/slide11.xml><?xml version="1.0" encoding="utf-8"?>
 <p:sld xmlns:a="http://schemas.openxmlformats.org/drawingml/2006/main" xmlns:r="http://schemas.openxmlformats.org/officeDocument/2006/relationships" xmlns:p="http://schemas.openxmlformats.org/presentationml/2006/main">
   <p:cSld>
     <p:spTree>
@@ -6523,6 +6361,99 @@
 </p:sld>
 </file>
 
+<file path=ppt/slides/slide12.xml><?xml version="1.0" encoding="utf-8"?>
+<p:sld xmlns:a="http://schemas.openxmlformats.org/drawingml/2006/main" xmlns:r="http://schemas.openxmlformats.org/officeDocument/2006/relationships" xmlns:p="http://schemas.openxmlformats.org/presentationml/2006/main">
+  <p:cSld>
+    <p:spTree>
+      <p:nvGrpSpPr>
+        <p:cNvPr id="1" name=""/>
+        <p:cNvGrpSpPr/>
+        <p:nvPr/>
+      </p:nvGrpSpPr>
+      <p:grpSpPr/>
+      <p:sp>
+        <p:nvSpPr>
+          <p:cNvPr id="2" name="Title 1"/>
+          <p:cNvSpPr>
+            <a:spLocks noGrp="1"/>
+          </p:cNvSpPr>
+          <p:nvPr>
+            <p:ph type="title"/>
+          </p:nvPr>
+        </p:nvSpPr>
+        <p:spPr/>
+        <p:txBody>
+          <a:bodyPr/>
+          <a:p>
+            <a:r>
+              <a:rPr lang="zh-CN" altLang="en-US"/>
+              <a:t>架构委员会</a:t>
+            </a:r>
+            <a:endParaRPr lang="zh-CN" altLang="en-US"/>
+          </a:p>
+        </p:txBody>
+      </p:sp>
+      <p:sp>
+        <p:nvSpPr>
+          <p:cNvPr id="3" name="Content Placeholder 2"/>
+          <p:cNvSpPr>
+            <a:spLocks noGrp="1"/>
+          </p:cNvSpPr>
+          <p:nvPr>
+            <p:ph idx="1"/>
+          </p:nvPr>
+        </p:nvSpPr>
+        <p:spPr/>
+        <p:txBody>
+          <a:bodyPr/>
+          <a:p>
+            <a:r>
+              <a:rPr lang="zh-CN" altLang="en-US" sz="2800"/>
+              <a:t>由业务专家、产品专家和技术专家组成</a:t>
+            </a:r>
+            <a:endParaRPr lang="zh-CN" altLang="en-US" sz="2800"/>
+          </a:p>
+          <a:p>
+            <a:r>
+              <a:rPr lang="zh-CN" altLang="en-US" sz="2800"/>
+              <a:t>进行顶层设计（包括业务顶层设计、产品顶层设计和技术顶层设计）</a:t>
+            </a:r>
+            <a:endParaRPr lang="zh-CN" altLang="en-US" sz="2800"/>
+          </a:p>
+          <a:p>
+            <a:pPr lvl="1"/>
+            <a:r>
+              <a:rPr lang="zh-CN" altLang="en-US" sz="2450"/>
+              <a:t>业务顶层设计：业务领域划分和边界定义</a:t>
+            </a:r>
+            <a:endParaRPr lang="zh-CN" altLang="en-US" sz="2450"/>
+          </a:p>
+          <a:p>
+            <a:pPr lvl="1"/>
+            <a:r>
+              <a:rPr lang="zh-CN" altLang="en-US" sz="2450"/>
+              <a:t>产品顶层设计：前台、中台和后台产品定义</a:t>
+            </a:r>
+            <a:endParaRPr lang="zh-CN" altLang="en-US" sz="2450"/>
+          </a:p>
+          <a:p>
+            <a:pPr lvl="1"/>
+            <a:r>
+              <a:rPr lang="zh-CN" altLang="en-US" sz="2450"/>
+              <a:t>技术顶层设计：统一技术栈和服务划分与边界</a:t>
+            </a:r>
+            <a:endParaRPr lang="zh-CN" altLang="en-US" sz="2450"/>
+          </a:p>
+        </p:txBody>
+      </p:sp>
+    </p:spTree>
+  </p:cSld>
+  <p:clrMapOvr>
+    <a:masterClrMapping/>
+  </p:clrMapOvr>
+</p:sld>
+</file>
+
 <file path=ppt/slides/slide13.xml><?xml version="1.0" encoding="utf-8"?>
 <p:sld xmlns:a="http://schemas.openxmlformats.org/drawingml/2006/main" xmlns:r="http://schemas.openxmlformats.org/officeDocument/2006/relationships" xmlns:p="http://schemas.openxmlformats.org/presentationml/2006/main">
   <p:cSld>
@@ -6549,99 +6480,6 @@
           <a:p>
             <a:r>
               <a:rPr lang="zh-CN" altLang="en-US"/>
-              <a:t>架构委员会</a:t>
-            </a:r>
-            <a:endParaRPr lang="zh-CN" altLang="en-US"/>
-          </a:p>
-        </p:txBody>
-      </p:sp>
-      <p:sp>
-        <p:nvSpPr>
-          <p:cNvPr id="3" name="Content Placeholder 2"/>
-          <p:cNvSpPr>
-            <a:spLocks noGrp="1"/>
-          </p:cNvSpPr>
-          <p:nvPr>
-            <p:ph idx="1"/>
-          </p:nvPr>
-        </p:nvSpPr>
-        <p:spPr/>
-        <p:txBody>
-          <a:bodyPr/>
-          <a:p>
-            <a:r>
-              <a:rPr lang="zh-CN" altLang="en-US" sz="2800"/>
-              <a:t>由业务专家、产品专家和技术专家组成</a:t>
-            </a:r>
-            <a:endParaRPr lang="zh-CN" altLang="en-US" sz="2800"/>
-          </a:p>
-          <a:p>
-            <a:r>
-              <a:rPr lang="zh-CN" altLang="en-US" sz="2800"/>
-              <a:t>进行顶层设计（包括业务顶层设计、产品顶层设计和技术顶层设计）</a:t>
-            </a:r>
-            <a:endParaRPr lang="zh-CN" altLang="en-US" sz="2800"/>
-          </a:p>
-          <a:p>
-            <a:pPr lvl="1"/>
-            <a:r>
-              <a:rPr lang="zh-CN" altLang="en-US" sz="2450"/>
-              <a:t>业务顶层设计：业务领域划分和边界定义</a:t>
-            </a:r>
-            <a:endParaRPr lang="zh-CN" altLang="en-US" sz="2450"/>
-          </a:p>
-          <a:p>
-            <a:pPr lvl="1"/>
-            <a:r>
-              <a:rPr lang="zh-CN" altLang="en-US" sz="2450"/>
-              <a:t>产品顶层设计：前台、中台和后台产品定义</a:t>
-            </a:r>
-            <a:endParaRPr lang="zh-CN" altLang="en-US" sz="2450"/>
-          </a:p>
-          <a:p>
-            <a:pPr lvl="1"/>
-            <a:r>
-              <a:rPr lang="zh-CN" altLang="en-US" sz="2450"/>
-              <a:t>技术顶层设计：统一技术栈和服务划分与边界</a:t>
-            </a:r>
-            <a:endParaRPr lang="zh-CN" altLang="en-US" sz="2450"/>
-          </a:p>
-        </p:txBody>
-      </p:sp>
-    </p:spTree>
-  </p:cSld>
-  <p:clrMapOvr>
-    <a:masterClrMapping/>
-  </p:clrMapOvr>
-</p:sld>
-</file>
-
-<file path=ppt/slides/slide14.xml><?xml version="1.0" encoding="utf-8"?>
-<p:sld xmlns:a="http://schemas.openxmlformats.org/drawingml/2006/main" xmlns:r="http://schemas.openxmlformats.org/officeDocument/2006/relationships" xmlns:p="http://schemas.openxmlformats.org/presentationml/2006/main">
-  <p:cSld>
-    <p:spTree>
-      <p:nvGrpSpPr>
-        <p:cNvPr id="1" name=""/>
-        <p:cNvGrpSpPr/>
-        <p:nvPr/>
-      </p:nvGrpSpPr>
-      <p:grpSpPr/>
-      <p:sp>
-        <p:nvSpPr>
-          <p:cNvPr id="2" name="Title 1"/>
-          <p:cNvSpPr>
-            <a:spLocks noGrp="1"/>
-          </p:cNvSpPr>
-          <p:nvPr>
-            <p:ph type="title"/>
-          </p:nvPr>
-        </p:nvSpPr>
-        <p:spPr/>
-        <p:txBody>
-          <a:bodyPr/>
-          <a:p>
-            <a:r>
-              <a:rPr lang="zh-CN" altLang="en-US"/>
               <a:t>人员组织架构</a:t>
             </a:r>
             <a:endParaRPr lang="zh-CN" altLang="en-US"/>
@@ -6650,7 +6488,7 @@
       </p:sp>
       <p:graphicFrame>
         <p:nvGraphicFramePr>
-          <p:cNvPr id="9" name="内容占位符 8"/>
+          <p:cNvPr id="21" name="内容占位符 20"/>
           <p:cNvGraphicFramePr>
             <a:graphicFrameLocks noChangeAspect="1"/>
           </p:cNvGraphicFramePr>
@@ -6662,23 +6500,23 @@
           </p:nvPr>
         </p:nvGraphicFramePr>
         <p:xfrm>
-          <a:off x="2376805" y="1511300"/>
-          <a:ext cx="7574280" cy="4796790"/>
+          <a:off x="2355850" y="1583690"/>
+          <a:ext cx="7776210" cy="4582160"/>
         </p:xfrm>
         <a:graphic>
           <a:graphicData uri="http://schemas.openxmlformats.org/presentationml/2006/ole">
             <mc:AlternateContent xmlns:mc="http://schemas.openxmlformats.org/markup-compatibility/2006">
               <mc:Choice xmlns:v="urn:schemas-microsoft-com:vml" Requires="v">
-                <p:oleObj spid="_x0000_s10" name="" r:id="rId2" imgW="7139305" imgH="4521200" progId="Visio.Drawing.15">
+                <p:oleObj spid="_x0000_s22" name="" r:id="rId2" imgW="7672705" imgH="4521200" progId="Visio.Drawing.15">
                   <p:embed/>
                 </p:oleObj>
               </mc:Choice>
               <mc:Fallback>
-                <p:oleObj name="" r:id="rId2" imgW="7139305" imgH="4521200" progId="Visio.Drawing.15">
+                <p:oleObj name="" r:id="rId2" imgW="7672705" imgH="4521200" progId="Visio.Drawing.15">
                   <p:embed/>
                   <p:pic>
                     <p:nvPicPr>
-                      <p:cNvPr id="0" name="图片 9"/>
+                      <p:cNvPr id="0" name="图片 21"/>
                       <p:cNvPicPr/>
                       <p:nvPr/>
                     </p:nvPicPr>
@@ -6690,8 +6528,8 @@
                     </p:blipFill>
                     <p:spPr>
                       <a:xfrm>
-                        <a:off x="2376805" y="1511300"/>
-                        <a:ext cx="7574280" cy="4796790"/>
+                        <a:off x="2355850" y="1583690"/>
+                        <a:ext cx="7776210" cy="4582160"/>
                       </a:xfrm>
                       <a:prstGeom prst="rect">
                         <a:avLst/>
@@ -6712,7 +6550,7 @@
 </p:sld>
 </file>
 
-<file path=ppt/slides/slide15.xml><?xml version="1.0" encoding="utf-8"?>
+<file path=ppt/slides/slide14.xml><?xml version="1.0" encoding="utf-8"?>
 <p:sld xmlns:a="http://schemas.openxmlformats.org/drawingml/2006/main" xmlns:r="http://schemas.openxmlformats.org/officeDocument/2006/relationships" xmlns:p="http://schemas.openxmlformats.org/presentationml/2006/main">
   <p:cSld>
     <p:spTree>
@@ -8557,7 +8395,7 @@
 </p:sld>
 </file>
 
-<file path=ppt/slides/slide16.xml><?xml version="1.0" encoding="utf-8"?>
+<file path=ppt/slides/slide15.xml><?xml version="1.0" encoding="utf-8"?>
 <p:sld xmlns:a="http://schemas.openxmlformats.org/drawingml/2006/main" xmlns:r="http://schemas.openxmlformats.org/officeDocument/2006/relationships" xmlns:p="http://schemas.openxmlformats.org/presentationml/2006/main">
   <p:cSld>
     <p:spTree>
@@ -8653,7 +8491,7 @@
 </p:sld>
 </file>
 
-<file path=ppt/slides/slide17.xml><?xml version="1.0" encoding="utf-8"?>
+<file path=ppt/slides/slide16.xml><?xml version="1.0" encoding="utf-8"?>
 <p:sld xmlns:a="http://schemas.openxmlformats.org/drawingml/2006/main" xmlns:r="http://schemas.openxmlformats.org/officeDocument/2006/relationships" xmlns:p="http://schemas.openxmlformats.org/presentationml/2006/main">
   <p:cSld>
     <p:spTree>
@@ -8749,6 +8587,119 @@
 </p:sld>
 </file>
 
+<file path=ppt/slides/slide17.xml><?xml version="1.0" encoding="utf-8"?>
+<p:sld xmlns:a="http://schemas.openxmlformats.org/drawingml/2006/main" xmlns:r="http://schemas.openxmlformats.org/officeDocument/2006/relationships" xmlns:p="http://schemas.openxmlformats.org/presentationml/2006/main">
+  <p:cSld>
+    <p:spTree>
+      <p:nvGrpSpPr>
+        <p:cNvPr id="1" name=""/>
+        <p:cNvGrpSpPr/>
+        <p:nvPr/>
+      </p:nvGrpSpPr>
+      <p:grpSpPr/>
+      <p:sp>
+        <p:nvSpPr>
+          <p:cNvPr id="2" name="Title 1"/>
+          <p:cNvSpPr>
+            <a:spLocks noGrp="1"/>
+          </p:cNvSpPr>
+          <p:nvPr>
+            <p:ph type="title"/>
+          </p:nvPr>
+        </p:nvSpPr>
+        <p:spPr/>
+        <p:txBody>
+          <a:bodyPr/>
+          <a:p>
+            <a:r>
+              <a:rPr lang="zh-CN" altLang="en-US"/>
+              <a:t>人效（产品）</a:t>
+            </a:r>
+            <a:endParaRPr lang="zh-CN" altLang="en-US"/>
+          </a:p>
+        </p:txBody>
+      </p:sp>
+      <p:sp>
+        <p:nvSpPr>
+          <p:cNvPr id="3" name="内容占位符 2"/>
+          <p:cNvSpPr/>
+          <p:nvPr>
+            <p:ph idx="1"/>
+          </p:nvPr>
+        </p:nvSpPr>
+        <p:spPr/>
+        <p:txBody>
+          <a:bodyPr/>
+          <a:p>
+            <a:r>
+              <a:rPr lang="zh-CN" altLang="en-US" sz="2400"/>
+              <a:t>产品需求说明书</a:t>
+            </a:r>
+            <a:endParaRPr lang="zh-CN" altLang="en-US" sz="2400"/>
+          </a:p>
+          <a:p>
+            <a:r>
+              <a:rPr lang="zh-CN" altLang="en-US" sz="2400"/>
+              <a:t>及时率</a:t>
+            </a:r>
+            <a:endParaRPr lang="zh-CN" altLang="en-US" sz="2400"/>
+          </a:p>
+          <a:p>
+            <a:r>
+              <a:rPr lang="en-US" altLang="zh-CN" sz="2400"/>
+              <a:t>bug</a:t>
+            </a:r>
+            <a:r>
+              <a:rPr lang="zh-CN" altLang="en-US" sz="2400"/>
+              <a:t>（疑问点，漏考虑和错误等）</a:t>
+            </a:r>
+            <a:endParaRPr lang="zh-CN" altLang="en-US" sz="2400"/>
+          </a:p>
+          <a:p>
+            <a:r>
+              <a:rPr lang="zh-CN" altLang="en-US" sz="2400"/>
+              <a:t>工作饱和度</a:t>
+            </a:r>
+            <a:endParaRPr lang="zh-CN" altLang="en-US" sz="2400"/>
+          </a:p>
+          <a:p>
+            <a:r>
+              <a:rPr lang="zh-CN" altLang="en-US" sz="2400"/>
+              <a:t>工作完成度</a:t>
+            </a:r>
+            <a:endParaRPr lang="zh-CN" altLang="en-US" sz="2400"/>
+          </a:p>
+          <a:p>
+            <a:r>
+              <a:rPr lang="zh-CN" altLang="en-US" sz="2400"/>
+              <a:t>产品预研</a:t>
+            </a:r>
+            <a:endParaRPr lang="zh-CN" altLang="en-US" sz="2400"/>
+          </a:p>
+          <a:p>
+            <a:r>
+              <a:rPr lang="zh-CN" altLang="en-US" sz="2400"/>
+              <a:t>业务支持</a:t>
+            </a:r>
+            <a:endParaRPr lang="zh-CN" altLang="en-US" sz="2400"/>
+          </a:p>
+          <a:p>
+            <a:r>
+              <a:rPr lang="zh-CN" altLang="en-US" sz="2400"/>
+              <a:t>工作强度</a:t>
+            </a:r>
+            <a:endParaRPr lang="zh-CN" altLang="en-US" sz="2400"/>
+          </a:p>
+        </p:txBody>
+      </p:sp>
+    </p:spTree>
+  </p:cSld>
+  <p:clrMapOvr>
+    <a:masterClrMapping/>
+  </p:clrMapOvr>
+</p:sld>
+</file>
+
 <file path=ppt/slides/slide18.xml><?xml version="1.0" encoding="utf-8"?>
 <p:sld xmlns:a="http://schemas.openxmlformats.org/drawingml/2006/main" xmlns:r="http://schemas.openxmlformats.org/officeDocument/2006/relationships" xmlns:p="http://schemas.openxmlformats.org/presentationml/2006/main">
   <p:cSld>
@@ -8775,7 +8726,7 @@
           <a:p>
             <a:r>
               <a:rPr lang="zh-CN" altLang="en-US"/>
-              <a:t>能效（产品）</a:t>
+              <a:t>人效（开发）</a:t>
             </a:r>
             <a:endParaRPr lang="zh-CN" altLang="en-US"/>
           </a:p>
@@ -8794,45 +8745,89 @@
           <a:bodyPr/>
           <a:p>
             <a:r>
-              <a:rPr lang="zh-CN" altLang="en-US"/>
-              <a:t>产品需求说明书</a:t>
-            </a:r>
-            <a:endParaRPr lang="zh-CN" altLang="en-US"/>
-          </a:p>
-          <a:p>
-            <a:r>
-              <a:rPr lang="zh-CN" altLang="en-US"/>
+              <a:rPr lang="zh-CN" altLang="en-US" sz="2000">
+                <a:sym typeface="+mn-ea"/>
+              </a:rPr>
               <a:t>及时率</a:t>
             </a:r>
-            <a:endParaRPr lang="zh-CN" altLang="en-US"/>
-          </a:p>
-          <a:p>
-            <a:r>
-              <a:rPr lang="zh-CN" altLang="en-US"/>
-              <a:t>质量（疑问点，漏考虑和错误等）</a:t>
-            </a:r>
-            <a:endParaRPr lang="zh-CN" altLang="en-US"/>
-          </a:p>
-          <a:p>
-            <a:r>
-              <a:rPr lang="zh-CN" altLang="en-US"/>
+            <a:endParaRPr lang="zh-CN" altLang="en-US" sz="2000"/>
+          </a:p>
+          <a:p>
+            <a:r>
+              <a:rPr lang="zh-CN" altLang="en-US" sz="2000"/>
+              <a:t>技术设计说明书</a:t>
+            </a:r>
+            <a:endParaRPr lang="zh-CN" altLang="en-US" sz="2000"/>
+          </a:p>
+          <a:p>
+            <a:r>
+              <a:rPr lang="zh-CN" altLang="en-US" sz="2000"/>
+              <a:t>开发规范</a:t>
+            </a:r>
+            <a:endParaRPr lang="zh-CN" altLang="en-US" sz="2000"/>
+          </a:p>
+          <a:p>
+            <a:r>
+              <a:rPr lang="en-US" altLang="zh-CN" sz="2000">
+                <a:sym typeface="+mn-ea"/>
+              </a:rPr>
+              <a:t>code review</a:t>
+            </a:r>
+            <a:endParaRPr lang="zh-CN" altLang="en-US" sz="2000"/>
+          </a:p>
+          <a:p>
+            <a:r>
+              <a:rPr lang="zh-CN" altLang="en-US" sz="2000"/>
+              <a:t>单元测试</a:t>
+            </a:r>
+            <a:endParaRPr lang="zh-CN" altLang="en-US" sz="2000"/>
+          </a:p>
+          <a:p>
+            <a:r>
+              <a:rPr lang="en-US" altLang="zh-CN" sz="2000"/>
+              <a:t>bug</a:t>
+            </a:r>
+            <a:endParaRPr lang="zh-CN" altLang="en-US" sz="2000"/>
+          </a:p>
+          <a:p>
+            <a:r>
+              <a:rPr lang="zh-CN" altLang="en-US" sz="2000"/>
               <a:t>工作饱和度</a:t>
             </a:r>
-            <a:endParaRPr lang="zh-CN" altLang="en-US"/>
-          </a:p>
-          <a:p>
-            <a:r>
-              <a:rPr lang="zh-CN" altLang="en-US"/>
+            <a:endParaRPr lang="zh-CN" altLang="en-US" sz="2000"/>
+          </a:p>
+          <a:p>
+            <a:r>
+              <a:rPr lang="zh-CN" altLang="en-US" sz="2000"/>
               <a:t>工作完成度</a:t>
             </a:r>
-            <a:endParaRPr lang="zh-CN" altLang="en-US"/>
-          </a:p>
-          <a:p>
-            <a:r>
-              <a:rPr lang="zh-CN" altLang="en-US"/>
-              <a:t>产品预研</a:t>
-            </a:r>
-            <a:endParaRPr lang="zh-CN" altLang="en-US"/>
+            <a:endParaRPr lang="zh-CN" altLang="en-US" sz="2000"/>
+          </a:p>
+          <a:p>
+            <a:r>
+              <a:rPr lang="zh-CN" altLang="en-US" sz="2000"/>
+              <a:t>技术预研</a:t>
+            </a:r>
+            <a:endParaRPr lang="zh-CN" altLang="en-US" sz="2000"/>
+          </a:p>
+          <a:p>
+            <a:r>
+              <a:rPr lang="zh-CN" altLang="en-US" sz="2000"/>
+              <a:t>业务支持</a:t>
+            </a:r>
+            <a:endParaRPr lang="zh-CN" altLang="en-US" sz="2000"/>
+          </a:p>
+          <a:p>
+            <a:r>
+              <a:rPr lang="zh-CN" altLang="en-US" sz="2000">
+                <a:sym typeface="+mn-ea"/>
+              </a:rPr>
+              <a:t>工作强度</a:t>
+            </a:r>
+            <a:endParaRPr lang="zh-CN" altLang="en-US" sz="2000"/>
+          </a:p>
+          <a:p>
+            <a:endParaRPr lang="zh-CN" altLang="en-US" sz="2000"/>
           </a:p>
         </p:txBody>
       </p:sp>
@@ -8870,7 +8865,7 @@
           <a:p>
             <a:r>
               <a:rPr lang="zh-CN" altLang="en-US"/>
-              <a:t>能效（开发）</a:t>
+              <a:t>人效（测试）</a:t>
             </a:r>
             <a:endParaRPr lang="zh-CN" altLang="en-US"/>
           </a:p>
@@ -8889,79 +8884,95 @@
           <a:bodyPr/>
           <a:p>
             <a:r>
-              <a:rPr lang="zh-CN" altLang="en-US" sz="2800"/>
-              <a:t>技术设计</a:t>
-            </a:r>
-            <a:endParaRPr lang="zh-CN" altLang="en-US" sz="2800"/>
-          </a:p>
-          <a:p>
-            <a:r>
-              <a:rPr lang="zh-CN" altLang="en-US" sz="2800"/>
-              <a:t>开发规范</a:t>
-            </a:r>
-            <a:endParaRPr lang="zh-CN" altLang="en-US" sz="2800"/>
-          </a:p>
-          <a:p>
-            <a:r>
-              <a:rPr lang="en-US" altLang="zh-CN" sz="2800">
+              <a:rPr lang="zh-CN" altLang="en-US" sz="2000"/>
+              <a:t>测试案例</a:t>
+            </a:r>
+            <a:endParaRPr lang="zh-CN" altLang="en-US" sz="2000"/>
+          </a:p>
+          <a:p>
+            <a:r>
+              <a:rPr lang="zh-CN" altLang="en-US" sz="2000"/>
+              <a:t>及时率</a:t>
+            </a:r>
+            <a:endParaRPr lang="zh-CN" altLang="en-US" sz="2000"/>
+          </a:p>
+          <a:p>
+            <a:r>
+              <a:rPr lang="zh-CN" altLang="en-US" sz="2000"/>
+              <a:t>自动化测试</a:t>
+            </a:r>
+            <a:endParaRPr lang="zh-CN" altLang="en-US" sz="2000"/>
+          </a:p>
+          <a:p>
+            <a:r>
+              <a:rPr lang="zh-CN" altLang="en-US" sz="2000"/>
+              <a:t>回归测试</a:t>
+            </a:r>
+            <a:endParaRPr lang="zh-CN" altLang="en-US" sz="2000"/>
+          </a:p>
+          <a:p>
+            <a:r>
+              <a:rPr lang="en-US" altLang="zh-CN" sz="2000">
                 <a:sym typeface="+mn-ea"/>
               </a:rPr>
-              <a:t>code review</a:t>
-            </a:r>
-            <a:endParaRPr lang="zh-CN" altLang="en-US" sz="2800"/>
-          </a:p>
-          <a:p>
-            <a:r>
-              <a:rPr lang="zh-CN" altLang="en-US" sz="2800"/>
-              <a:t>单元测试</a:t>
-            </a:r>
-            <a:endParaRPr lang="zh-CN" altLang="en-US" sz="2800"/>
-          </a:p>
-          <a:p>
-            <a:r>
-              <a:rPr lang="zh-CN" altLang="en-US" sz="2800"/>
-              <a:t>及时率</a:t>
-            </a:r>
-            <a:endParaRPr lang="zh-CN" altLang="en-US" sz="2800"/>
-          </a:p>
-          <a:p>
-            <a:r>
-              <a:rPr lang="zh-CN" altLang="en-US" sz="2800"/>
-              <a:t>测试</a:t>
-            </a:r>
-            <a:r>
-              <a:rPr lang="en-US" altLang="zh-CN" sz="2800"/>
               <a:t>bug</a:t>
             </a:r>
-            <a:endParaRPr lang="en-US" altLang="zh-CN" sz="2800"/>
-          </a:p>
-          <a:p>
-            <a:r>
-              <a:rPr lang="zh-CN" altLang="en-US" sz="2800"/>
-              <a:t>生产</a:t>
-            </a:r>
-            <a:r>
-              <a:rPr lang="en-US" altLang="zh-CN" sz="2800"/>
-              <a:t>bug</a:t>
-            </a:r>
-            <a:endParaRPr lang="zh-CN" altLang="en-US" sz="2800"/>
-          </a:p>
-          <a:p>
-            <a:r>
-              <a:rPr lang="zh-CN" altLang="en-US" sz="2800"/>
+            <a:endParaRPr lang="en-US" altLang="zh-CN" sz="2000">
+              <a:sym typeface="+mn-ea"/>
+            </a:endParaRPr>
+          </a:p>
+          <a:p>
+            <a:r>
+              <a:rPr lang="zh-CN" altLang="en-US" sz="2000">
+                <a:sym typeface="+mn-ea"/>
+              </a:rPr>
               <a:t>工作饱和度</a:t>
             </a:r>
-            <a:endParaRPr lang="zh-CN" altLang="en-US" sz="2800"/>
-          </a:p>
-          <a:p>
-            <a:r>
-              <a:rPr lang="zh-CN" altLang="en-US" sz="2800"/>
+            <a:endParaRPr lang="zh-CN" altLang="en-US" sz="2000"/>
+          </a:p>
+          <a:p>
+            <a:r>
+              <a:rPr lang="zh-CN" altLang="en-US" sz="2000">
+                <a:sym typeface="+mn-ea"/>
+              </a:rPr>
               <a:t>工作完成度</a:t>
             </a:r>
-            <a:endParaRPr lang="zh-CN" altLang="en-US" sz="2800"/>
-          </a:p>
-          <a:p>
-            <a:endParaRPr lang="zh-CN" altLang="en-US" sz="2800"/>
+            <a:endParaRPr lang="zh-CN" altLang="en-US" sz="2000">
+              <a:sym typeface="+mn-ea"/>
+            </a:endParaRPr>
+          </a:p>
+          <a:p>
+            <a:r>
+              <a:rPr lang="zh-CN" altLang="en-US" sz="2000">
+                <a:sym typeface="+mn-ea"/>
+              </a:rPr>
+              <a:t>技术预研</a:t>
+            </a:r>
+            <a:endParaRPr lang="zh-CN" altLang="en-US" sz="2000">
+              <a:sym typeface="+mn-ea"/>
+            </a:endParaRPr>
+          </a:p>
+          <a:p>
+            <a:r>
+              <a:rPr lang="zh-CN" altLang="en-US" sz="2000">
+                <a:sym typeface="+mn-ea"/>
+              </a:rPr>
+              <a:t>业务支持</a:t>
+            </a:r>
+            <a:endParaRPr lang="zh-CN" altLang="en-US" sz="2000">
+              <a:sym typeface="+mn-ea"/>
+            </a:endParaRPr>
+          </a:p>
+          <a:p>
+            <a:r>
+              <a:rPr lang="zh-CN" altLang="en-US" sz="2000">
+                <a:sym typeface="+mn-ea"/>
+              </a:rPr>
+              <a:t>工作强度</a:t>
+            </a:r>
+            <a:endParaRPr lang="zh-CN" altLang="en-US" sz="2000">
+              <a:sym typeface="+mn-ea"/>
+            </a:endParaRPr>
           </a:p>
         </p:txBody>
       </p:sp>
@@ -9580,125 +9591,6 @@
 </file>
 
 <file path=ppt/slides/slide20.xml><?xml version="1.0" encoding="utf-8"?>
-<p:sld xmlns:a="http://schemas.openxmlformats.org/drawingml/2006/main" xmlns:r="http://schemas.openxmlformats.org/officeDocument/2006/relationships" xmlns:p="http://schemas.openxmlformats.org/presentationml/2006/main">
-  <p:cSld>
-    <p:spTree>
-      <p:nvGrpSpPr>
-        <p:cNvPr id="1" name=""/>
-        <p:cNvGrpSpPr/>
-        <p:nvPr/>
-      </p:nvGrpSpPr>
-      <p:grpSpPr/>
-      <p:sp>
-        <p:nvSpPr>
-          <p:cNvPr id="2" name="Title 1"/>
-          <p:cNvSpPr>
-            <a:spLocks noGrp="1"/>
-          </p:cNvSpPr>
-          <p:nvPr>
-            <p:ph type="title"/>
-          </p:nvPr>
-        </p:nvSpPr>
-        <p:spPr/>
-        <p:txBody>
-          <a:bodyPr/>
-          <a:p>
-            <a:r>
-              <a:rPr lang="zh-CN" altLang="en-US"/>
-              <a:t>能效（测试）</a:t>
-            </a:r>
-            <a:endParaRPr lang="zh-CN" altLang="en-US"/>
-          </a:p>
-        </p:txBody>
-      </p:sp>
-      <p:sp>
-        <p:nvSpPr>
-          <p:cNvPr id="3" name="内容占位符 2"/>
-          <p:cNvSpPr/>
-          <p:nvPr>
-            <p:ph idx="1"/>
-          </p:nvPr>
-        </p:nvSpPr>
-        <p:spPr/>
-        <p:txBody>
-          <a:bodyPr/>
-          <a:p>
-            <a:r>
-              <a:rPr lang="zh-CN" altLang="en-US"/>
-              <a:t>测试案例</a:t>
-            </a:r>
-            <a:endParaRPr lang="zh-CN" altLang="en-US"/>
-          </a:p>
-          <a:p>
-            <a:r>
-              <a:rPr lang="zh-CN" altLang="en-US"/>
-              <a:t>及时率</a:t>
-            </a:r>
-            <a:endParaRPr lang="zh-CN" altLang="en-US"/>
-          </a:p>
-          <a:p>
-            <a:r>
-              <a:rPr lang="zh-CN" altLang="en-US">
-                <a:sym typeface="+mn-ea"/>
-              </a:rPr>
-              <a:t>测试</a:t>
-            </a:r>
-            <a:r>
-              <a:rPr lang="en-US" altLang="zh-CN">
-                <a:sym typeface="+mn-ea"/>
-              </a:rPr>
-              <a:t>bug</a:t>
-            </a:r>
-            <a:endParaRPr lang="en-US" altLang="zh-CN">
-              <a:sym typeface="+mn-ea"/>
-            </a:endParaRPr>
-          </a:p>
-          <a:p>
-            <a:r>
-              <a:rPr lang="zh-CN" altLang="en-US">
-                <a:sym typeface="+mn-ea"/>
-              </a:rPr>
-              <a:t>生产</a:t>
-            </a:r>
-            <a:r>
-              <a:rPr lang="en-US" altLang="zh-CN">
-                <a:sym typeface="+mn-ea"/>
-              </a:rPr>
-              <a:t>bug</a:t>
-            </a:r>
-            <a:endParaRPr lang="en-US" altLang="zh-CN">
-              <a:sym typeface="+mn-ea"/>
-            </a:endParaRPr>
-          </a:p>
-          <a:p>
-            <a:r>
-              <a:rPr lang="zh-CN" altLang="en-US">
-                <a:sym typeface="+mn-ea"/>
-              </a:rPr>
-              <a:t>工作饱和度</a:t>
-            </a:r>
-            <a:endParaRPr lang="zh-CN" altLang="en-US"/>
-          </a:p>
-          <a:p>
-            <a:r>
-              <a:rPr lang="zh-CN" altLang="en-US">
-                <a:sym typeface="+mn-ea"/>
-              </a:rPr>
-              <a:t>完成度</a:t>
-            </a:r>
-            <a:endParaRPr lang="zh-CN" altLang="en-US"/>
-          </a:p>
-        </p:txBody>
-      </p:sp>
-    </p:spTree>
-  </p:cSld>
-  <p:clrMapOvr>
-    <a:masterClrMapping/>
-  </p:clrMapOvr>
-</p:sld>
-</file>
-
-<file path=ppt/slides/slide21.xml><?xml version="1.0" encoding="utf-8"?>
 <p:sld xmlns:a="http://schemas.openxmlformats.org/drawingml/2006/main" xmlns:r="http://schemas.openxmlformats.org/officeDocument/2006/relationships" xmlns:p="http://schemas.openxmlformats.org/presentationml/2006/main">
   <p:cSld>
     <p:spTree>
@@ -9976,7 +9868,7 @@
           </p:nvPr>
         </p:nvGraphicFramePr>
         <p:xfrm>
-          <a:off x="3396615" y="1559560"/>
+          <a:off x="4579620" y="946785"/>
           <a:ext cx="6626225" cy="5196840"/>
         </p:xfrm>
         <a:graphic>
@@ -10004,7 +9896,7 @@
                     </p:blipFill>
                     <p:spPr>
                       <a:xfrm>
-                        <a:off x="3396615" y="1559560"/>
+                        <a:off x="4579620" y="946785"/>
                         <a:ext cx="6626225" cy="5196840"/>
                       </a:xfrm>
                       <a:prstGeom prst="rect">
@@ -10259,7 +10151,7 @@
           <a:p>
             <a:r>
               <a:rPr lang="zh-CN" altLang="en-US" sz="2800"/>
-              <a:t>提供服务的业务产品</a:t>
+              <a:t>提供服务的产品和平台</a:t>
             </a:r>
             <a:endParaRPr lang="zh-CN" altLang="en-US" sz="2800"/>
           </a:p>
@@ -10468,6 +10360,281 @@
             <a:r>
               <a:rPr lang="zh-CN" altLang="en-US" sz="1600"/>
               <a:t>资金管理</a:t>
+            </a:r>
+            <a:endParaRPr lang="zh-CN" altLang="en-US" sz="1600"/>
+          </a:p>
+        </p:txBody>
+      </p:sp>
+      <p:sp>
+        <p:nvSpPr>
+          <p:cNvPr id="5" name="Rectangle 15"/>
+          <p:cNvSpPr/>
+          <p:nvPr>
+            <p:custDataLst>
+              <p:tags r:id="rId2"/>
+            </p:custDataLst>
+          </p:nvPr>
+        </p:nvSpPr>
+        <p:spPr>
+          <a:xfrm>
+            <a:off x="1564005" y="4008120"/>
+            <a:ext cx="1102360" cy="488315"/>
+          </a:xfrm>
+          <a:prstGeom prst="rect">
+            <a:avLst/>
+          </a:prstGeom>
+          <a:solidFill>
+            <a:schemeClr val="accent1">
+              <a:lumMod val="50000"/>
+            </a:schemeClr>
+          </a:solidFill>
+          <a:ln>
+            <a:noFill/>
+          </a:ln>
+        </p:spPr>
+        <p:style>
+          <a:lnRef idx="2">
+            <a:schemeClr val="accent1">
+              <a:shade val="50000"/>
+            </a:schemeClr>
+          </a:lnRef>
+          <a:fillRef idx="1">
+            <a:schemeClr val="accent1"/>
+          </a:fillRef>
+          <a:effectRef idx="0">
+            <a:schemeClr val="accent1"/>
+          </a:effectRef>
+          <a:fontRef idx="minor">
+            <a:schemeClr val="lt1"/>
+          </a:fontRef>
+        </p:style>
+        <p:txBody>
+          <a:bodyPr rtlCol="0" anchor="ctr"/>
+          <a:p>
+            <a:pPr algn="ctr"/>
+            <a:r>
+              <a:rPr lang="zh-CN" altLang="en-US" sz="1600"/>
+              <a:t>商户服务平台</a:t>
+            </a:r>
+            <a:endParaRPr lang="zh-CN" altLang="en-US" sz="1600"/>
+          </a:p>
+        </p:txBody>
+      </p:sp>
+      <p:sp>
+        <p:nvSpPr>
+          <p:cNvPr id="6" name="Rectangle 15"/>
+          <p:cNvSpPr/>
+          <p:nvPr>
+            <p:custDataLst>
+              <p:tags r:id="rId3"/>
+            </p:custDataLst>
+          </p:nvPr>
+        </p:nvSpPr>
+        <p:spPr>
+          <a:xfrm>
+            <a:off x="3209290" y="4008120"/>
+            <a:ext cx="1102360" cy="488315"/>
+          </a:xfrm>
+          <a:prstGeom prst="rect">
+            <a:avLst/>
+          </a:prstGeom>
+          <a:solidFill>
+            <a:schemeClr val="accent1">
+              <a:lumMod val="50000"/>
+            </a:schemeClr>
+          </a:solidFill>
+          <a:ln>
+            <a:noFill/>
+          </a:ln>
+        </p:spPr>
+        <p:style>
+          <a:lnRef idx="2">
+            <a:schemeClr val="accent1">
+              <a:shade val="50000"/>
+            </a:schemeClr>
+          </a:lnRef>
+          <a:fillRef idx="1">
+            <a:schemeClr val="accent1"/>
+          </a:fillRef>
+          <a:effectRef idx="0">
+            <a:schemeClr val="accent1"/>
+          </a:effectRef>
+          <a:fontRef idx="minor">
+            <a:schemeClr val="lt1"/>
+          </a:fontRef>
+        </p:style>
+        <p:txBody>
+          <a:bodyPr rtlCol="0" anchor="ctr"/>
+          <a:p>
+            <a:pPr algn="ctr"/>
+            <a:r>
+              <a:rPr lang="zh-CN" altLang="en-US" sz="1600"/>
+              <a:t>运营配置平台</a:t>
+            </a:r>
+            <a:endParaRPr lang="zh-CN" altLang="en-US" sz="1600"/>
+          </a:p>
+        </p:txBody>
+      </p:sp>
+      <p:sp>
+        <p:nvSpPr>
+          <p:cNvPr id="7" name="Rectangle 15"/>
+          <p:cNvSpPr/>
+          <p:nvPr>
+            <p:custDataLst>
+              <p:tags r:id="rId4"/>
+            </p:custDataLst>
+          </p:nvPr>
+        </p:nvSpPr>
+        <p:spPr>
+          <a:xfrm>
+            <a:off x="4854575" y="4008120"/>
+            <a:ext cx="1102360" cy="488315"/>
+          </a:xfrm>
+          <a:prstGeom prst="rect">
+            <a:avLst/>
+          </a:prstGeom>
+          <a:solidFill>
+            <a:schemeClr val="accent1">
+              <a:lumMod val="50000"/>
+            </a:schemeClr>
+          </a:solidFill>
+          <a:ln>
+            <a:noFill/>
+          </a:ln>
+        </p:spPr>
+        <p:style>
+          <a:lnRef idx="2">
+            <a:schemeClr val="accent1">
+              <a:shade val="50000"/>
+            </a:schemeClr>
+          </a:lnRef>
+          <a:fillRef idx="1">
+            <a:schemeClr val="accent1"/>
+          </a:fillRef>
+          <a:effectRef idx="0">
+            <a:schemeClr val="accent1"/>
+          </a:effectRef>
+          <a:fontRef idx="minor">
+            <a:schemeClr val="lt1"/>
+          </a:fontRef>
+        </p:style>
+        <p:txBody>
+          <a:bodyPr rtlCol="0" anchor="ctr"/>
+          <a:p>
+            <a:pPr algn="ctr"/>
+            <a:r>
+              <a:rPr lang="zh-CN" altLang="en-US" sz="1600"/>
+              <a:t>运营平台</a:t>
+            </a:r>
+            <a:endParaRPr lang="zh-CN" altLang="en-US" sz="1600"/>
+          </a:p>
+        </p:txBody>
+      </p:sp>
+      <p:sp>
+        <p:nvSpPr>
+          <p:cNvPr id="8" name="Rectangle 15"/>
+          <p:cNvSpPr/>
+          <p:nvPr>
+            <p:custDataLst>
+              <p:tags r:id="rId5"/>
+            </p:custDataLst>
+          </p:nvPr>
+        </p:nvSpPr>
+        <p:spPr>
+          <a:xfrm>
+            <a:off x="6499860" y="4008120"/>
+            <a:ext cx="1102360" cy="488315"/>
+          </a:xfrm>
+          <a:prstGeom prst="rect">
+            <a:avLst/>
+          </a:prstGeom>
+          <a:solidFill>
+            <a:schemeClr val="accent1">
+              <a:lumMod val="50000"/>
+            </a:schemeClr>
+          </a:solidFill>
+          <a:ln>
+            <a:noFill/>
+          </a:ln>
+        </p:spPr>
+        <p:style>
+          <a:lnRef idx="2">
+            <a:schemeClr val="accent1">
+              <a:shade val="50000"/>
+            </a:schemeClr>
+          </a:lnRef>
+          <a:fillRef idx="1">
+            <a:schemeClr val="accent1"/>
+          </a:fillRef>
+          <a:effectRef idx="0">
+            <a:schemeClr val="accent1"/>
+          </a:effectRef>
+          <a:fontRef idx="minor">
+            <a:schemeClr val="lt1"/>
+          </a:fontRef>
+        </p:style>
+        <p:txBody>
+          <a:bodyPr rtlCol="0" anchor="ctr"/>
+          <a:p>
+            <a:pPr algn="ctr"/>
+            <a:r>
+              <a:rPr lang="en-US" altLang="zh-CN" sz="1600"/>
+              <a:t>CRM</a:t>
+            </a:r>
+            <a:endParaRPr lang="en-US" altLang="zh-CN" sz="1600"/>
+          </a:p>
+        </p:txBody>
+      </p:sp>
+      <p:sp>
+        <p:nvSpPr>
+          <p:cNvPr id="9" name="Rectangle 15"/>
+          <p:cNvSpPr/>
+          <p:nvPr>
+            <p:custDataLst>
+              <p:tags r:id="rId6"/>
+            </p:custDataLst>
+          </p:nvPr>
+        </p:nvSpPr>
+        <p:spPr>
+          <a:xfrm>
+            <a:off x="1564005" y="4995545"/>
+            <a:ext cx="1102360" cy="488315"/>
+          </a:xfrm>
+          <a:prstGeom prst="rect">
+            <a:avLst/>
+          </a:prstGeom>
+          <a:solidFill>
+            <a:schemeClr val="accent1">
+              <a:lumMod val="50000"/>
+            </a:schemeClr>
+          </a:solidFill>
+          <a:ln>
+            <a:noFill/>
+          </a:ln>
+        </p:spPr>
+        <p:style>
+          <a:lnRef idx="2">
+            <a:schemeClr val="accent1">
+              <a:shade val="50000"/>
+            </a:schemeClr>
+          </a:lnRef>
+          <a:fillRef idx="1">
+            <a:schemeClr val="accent1"/>
+          </a:fillRef>
+          <a:effectRef idx="0">
+            <a:schemeClr val="accent1"/>
+          </a:effectRef>
+          <a:fontRef idx="minor">
+            <a:schemeClr val="lt1"/>
+          </a:fontRef>
+        </p:style>
+        <p:txBody>
+          <a:bodyPr rtlCol="0" anchor="ctr"/>
+          <a:p>
+            <a:pPr algn="ctr"/>
+            <a:r>
+              <a:rPr lang="zh-CN" altLang="en-US" sz="1600"/>
+              <a:t>数据平台</a:t>
             </a:r>
             <a:endParaRPr lang="zh-CN" altLang="en-US" sz="1600"/>
           </a:p>
@@ -11360,6 +11527,30 @@
 </file>
 
 <file path=ppt/tags/tag54.xml><?xml version="1.0" encoding="utf-8"?>
+<p:tagLst xmlns:p="http://schemas.openxmlformats.org/presentationml/2006/main">
+  <p:tag name="KSO_WM_BEAUTIFY_FLAG" val=""/>
+</p:tagLst>
+</file>
+
+<file path=ppt/tags/tag55.xml><?xml version="1.0" encoding="utf-8"?>
+<p:tagLst xmlns:p="http://schemas.openxmlformats.org/presentationml/2006/main">
+  <p:tag name="KSO_WM_BEAUTIFY_FLAG" val=""/>
+</p:tagLst>
+</file>
+
+<file path=ppt/tags/tag56.xml><?xml version="1.0" encoding="utf-8"?>
+<p:tagLst xmlns:p="http://schemas.openxmlformats.org/presentationml/2006/main">
+  <p:tag name="KSO_WM_BEAUTIFY_FLAG" val=""/>
+</p:tagLst>
+</file>
+
+<file path=ppt/tags/tag57.xml><?xml version="1.0" encoding="utf-8"?>
+<p:tagLst xmlns:p="http://schemas.openxmlformats.org/presentationml/2006/main">
+  <p:tag name="KSO_WM_BEAUTIFY_FLAG" val=""/>
+</p:tagLst>
+</file>
+
+<file path=ppt/tags/tag58.xml><?xml version="1.0" encoding="utf-8"?>
 <p:tagLst xmlns:p="http://schemas.openxmlformats.org/presentationml/2006/main">
   <p:tag name="KSO_WPP_MARK_KEY" val="73001d99-5fbd-4fbd-a894-579de39c0a0a"/>
   <p:tag name="COMMONDATA" val="eyJoZGlkIjoiMzEwNTM5NzYwMDRjMzkwZTVkZjY2ODkwMGIxNGU0OTUifQ=="/>

--- a/assets/attachment/关于软件架构 - v2.pptx
+++ b/assets/attachment/关于软件架构 - v2.pptx
@@ -1008,26 +1008,112 @@
           <a:bodyPr/>
           <a:p>
             <a:r>
-              <a:rPr lang="en-US" altLang="zh-CN"/>
+              <a:rPr lang="zh-CN" altLang="en-US"/>
+              <a:t>架构委员会：</a:t>
+            </a:r>
+            <a:endParaRPr lang="zh-CN" altLang="en-US"/>
+          </a:p>
+          <a:p>
+            <a:r>
+              <a:rPr lang="zh-CN" altLang="en-US"/>
+              <a:t>组织治理，业务、产品和技术顶层设计</a:t>
+            </a:r>
+            <a:endParaRPr lang="zh-CN" altLang="en-US"/>
+          </a:p>
+          <a:p>
+            <a:r>
+              <a:rPr lang="zh-CN" altLang="en-US"/>
+              <a:t>研发平台：</a:t>
+            </a:r>
+            <a:endParaRPr lang="zh-CN" altLang="en-US"/>
+          </a:p>
+          <a:p>
+            <a:r>
+              <a:rPr lang="zh-CN" altLang="en-US"/>
+              <a:t>从项目流程、质量管理、运维监控等多维度提升产品交付能力</a:t>
+            </a:r>
+            <a:endParaRPr lang="zh-CN" altLang="en-US"/>
+          </a:p>
+          <a:p>
+            <a:r>
+              <a:rPr lang="zh-CN" altLang="en-US"/>
+              <a:t>数据中台：</a:t>
+            </a:r>
+            <a:endParaRPr lang="zh-CN" altLang="en-US"/>
+          </a:p>
+          <a:p>
+            <a:r>
+              <a:rPr lang="zh-CN" altLang="en-US"/>
+              <a:t>挖掘数据价值、实现数据驱动业务</a:t>
+            </a:r>
+            <a:endParaRPr lang="zh-CN" altLang="en-US"/>
+          </a:p>
+          <a:p>
+            <a:r>
+              <a:rPr lang="zh-CN" altLang="en-US"/>
+              <a:t>业务中台：</a:t>
+            </a:r>
+            <a:endParaRPr lang="zh-CN" altLang="en-US"/>
+          </a:p>
+          <a:p>
+            <a:r>
+              <a:rPr lang="zh-CN" altLang="en-US"/>
+              <a:t>通用型、行业性的服务化产品</a:t>
+            </a:r>
+            <a:endParaRPr lang="zh-CN" altLang="en-US"/>
+          </a:p>
+          <a:p>
+            <a:r>
+              <a:rPr lang="zh-CN" altLang="en-US"/>
+              <a:t>技术平台：</a:t>
+            </a:r>
+            <a:endParaRPr lang="zh-CN" altLang="en-US"/>
+          </a:p>
+          <a:p>
+            <a:r>
+              <a:rPr lang="zh-CN" altLang="en-US"/>
+              <a:t>规范技术栈、中间件、技术预研等</a:t>
+            </a:r>
+            <a:endParaRPr lang="zh-CN" altLang="en-US"/>
+          </a:p>
+          <a:p>
+            <a:r>
+              <a:rPr lang="en-US" altLang="zh-CN">
+                <a:sym typeface="+mn-ea"/>
+              </a:rPr>
               <a:t>基础设施</a:t>
             </a:r>
+            <a:r>
+              <a:rPr lang="zh-CN" altLang="en-US">
+                <a:sym typeface="+mn-ea"/>
+              </a:rPr>
+              <a:t>：</a:t>
+            </a:r>
             <a:endParaRPr lang="en-US" altLang="zh-CN"/>
           </a:p>
           <a:p>
             <a:r>
-              <a:rPr lang="en-US" altLang="zh-CN"/>
+              <a:rPr lang="en-US" altLang="zh-CN">
+                <a:sym typeface="+mn-ea"/>
+              </a:rPr>
               <a:t>机房、主机</a:t>
             </a:r>
             <a:r>
-              <a:rPr lang="zh-CN" altLang="en-US"/>
+              <a:rPr lang="zh-CN" altLang="en-US">
+                <a:sym typeface="+mn-ea"/>
+              </a:rPr>
               <a:t>、操作系统</a:t>
             </a:r>
             <a:r>
-              <a:rPr lang="en-US" altLang="zh-CN"/>
+              <a:rPr lang="en-US" altLang="zh-CN">
+                <a:sym typeface="+mn-ea"/>
+              </a:rPr>
               <a:t>、网络、CPU、IO、存储</a:t>
             </a:r>
             <a:r>
-              <a:rPr lang="zh-CN" altLang="en-US"/>
+              <a:rPr lang="zh-CN" altLang="en-US">
+                <a:sym typeface="+mn-ea"/>
+              </a:rPr>
               <a:t>等公有云设施</a:t>
             </a:r>
             <a:endParaRPr lang="zh-CN" altLang="en-US"/>
@@ -8429,7 +8515,7 @@
       </p:sp>
       <p:graphicFrame>
         <p:nvGraphicFramePr>
-          <p:cNvPr id="8" name="内容占位符 7"/>
+          <p:cNvPr id="6" name="内容占位符 5"/>
           <p:cNvGraphicFramePr>
             <a:graphicFrameLocks noChangeAspect="1"/>
           </p:cNvGraphicFramePr>
@@ -8441,23 +8527,23 @@
           </p:nvPr>
         </p:nvGraphicFramePr>
         <p:xfrm>
-          <a:off x="1539240" y="2244090"/>
-          <a:ext cx="8952865" cy="3627755"/>
+          <a:off x="1682115" y="2233295"/>
+          <a:ext cx="8666480" cy="3404870"/>
         </p:xfrm>
         <a:graphic>
           <a:graphicData uri="http://schemas.openxmlformats.org/presentationml/2006/ole">
             <mc:AlternateContent xmlns:mc="http://schemas.openxmlformats.org/markup-compatibility/2006">
               <mc:Choice xmlns:v="urn:schemas-microsoft-com:vml" Requires="v">
-                <p:oleObj spid="_x0000_s9" name="" r:id="rId2" imgW="6321425" imgH="2561590" progId="Visio.Drawing.15">
+                <p:oleObj spid="_x0000_s7" name="" r:id="rId2" imgW="6520180" imgH="2561590" progId="Visio.Drawing.15">
                   <p:embed/>
                 </p:oleObj>
               </mc:Choice>
               <mc:Fallback>
-                <p:oleObj name="" r:id="rId2" imgW="6321425" imgH="2561590" progId="Visio.Drawing.15">
+                <p:oleObj name="" r:id="rId2" imgW="6520180" imgH="2561590" progId="Visio.Drawing.15">
                   <p:embed/>
                   <p:pic>
                     <p:nvPicPr>
-                      <p:cNvPr id="0" name="图片 8"/>
+                      <p:cNvPr id="0" name="图片 6"/>
                       <p:cNvPicPr/>
                       <p:nvPr/>
                     </p:nvPicPr>
@@ -8469,8 +8555,8 @@
                     </p:blipFill>
                     <p:spPr>
                       <a:xfrm>
-                        <a:off x="1539240" y="2244090"/>
-                        <a:ext cx="8952865" cy="3627755"/>
+                        <a:off x="1682115" y="2233295"/>
+                        <a:ext cx="8666480" cy="3404870"/>
                       </a:xfrm>
                       <a:prstGeom prst="rect">
                         <a:avLst/>
@@ -10597,6 +10683,116 @@
         </p:nvSpPr>
         <p:spPr>
           <a:xfrm>
+            <a:off x="8145145" y="4008120"/>
+            <a:ext cx="1102360" cy="488315"/>
+          </a:xfrm>
+          <a:prstGeom prst="rect">
+            <a:avLst/>
+          </a:prstGeom>
+          <a:solidFill>
+            <a:schemeClr val="accent1">
+              <a:lumMod val="50000"/>
+            </a:schemeClr>
+          </a:solidFill>
+          <a:ln>
+            <a:noFill/>
+          </a:ln>
+        </p:spPr>
+        <p:style>
+          <a:lnRef idx="2">
+            <a:schemeClr val="accent1">
+              <a:shade val="50000"/>
+            </a:schemeClr>
+          </a:lnRef>
+          <a:fillRef idx="1">
+            <a:schemeClr val="accent1"/>
+          </a:fillRef>
+          <a:effectRef idx="0">
+            <a:schemeClr val="accent1"/>
+          </a:effectRef>
+          <a:fontRef idx="minor">
+            <a:schemeClr val="lt1"/>
+          </a:fontRef>
+        </p:style>
+        <p:txBody>
+          <a:bodyPr rtlCol="0" anchor="ctr"/>
+          <a:p>
+            <a:pPr algn="ctr"/>
+            <a:r>
+              <a:rPr lang="zh-CN" altLang="en-US" sz="1600"/>
+              <a:t>数据平台</a:t>
+            </a:r>
+            <a:endParaRPr lang="zh-CN" altLang="en-US" sz="1600"/>
+          </a:p>
+        </p:txBody>
+      </p:sp>
+      <p:sp>
+        <p:nvSpPr>
+          <p:cNvPr id="10" name="Rectangle 13"/>
+          <p:cNvSpPr/>
+          <p:nvPr>
+            <p:custDataLst>
+              <p:tags r:id="rId7"/>
+            </p:custDataLst>
+          </p:nvPr>
+        </p:nvSpPr>
+        <p:spPr>
+          <a:xfrm>
+            <a:off x="8145145" y="3020695"/>
+            <a:ext cx="1102360" cy="488315"/>
+          </a:xfrm>
+          <a:prstGeom prst="rect">
+            <a:avLst/>
+          </a:prstGeom>
+          <a:solidFill>
+            <a:schemeClr val="accent1">
+              <a:lumMod val="50000"/>
+            </a:schemeClr>
+          </a:solidFill>
+          <a:ln>
+            <a:noFill/>
+          </a:ln>
+        </p:spPr>
+        <p:style>
+          <a:lnRef idx="2">
+            <a:schemeClr val="accent1">
+              <a:shade val="50000"/>
+            </a:schemeClr>
+          </a:lnRef>
+          <a:fillRef idx="1">
+            <a:schemeClr val="accent1"/>
+          </a:fillRef>
+          <a:effectRef idx="0">
+            <a:schemeClr val="accent1"/>
+          </a:effectRef>
+          <a:fontRef idx="minor">
+            <a:schemeClr val="lt1"/>
+          </a:fontRef>
+        </p:style>
+        <p:txBody>
+          <a:bodyPr rtlCol="0" anchor="ctr"/>
+          <a:p>
+            <a:pPr algn="ctr"/>
+            <a:r>
+              <a:rPr lang="zh-CN" altLang="en-US" sz="1600"/>
+              <a:t>企业钱包</a:t>
+            </a:r>
+            <a:endParaRPr lang="zh-CN" altLang="en-US" sz="1600"/>
+          </a:p>
+        </p:txBody>
+      </p:sp>
+      <p:sp>
+        <p:nvSpPr>
+          <p:cNvPr id="11" name="Rectangle 15"/>
+          <p:cNvSpPr/>
+          <p:nvPr>
+            <p:custDataLst>
+              <p:tags r:id="rId8"/>
+            </p:custDataLst>
+          </p:nvPr>
+        </p:nvSpPr>
+        <p:spPr>
+          <a:xfrm>
             <a:off x="1564005" y="4995545"/>
             <a:ext cx="1102360" cy="488315"/>
           </a:xfrm>
@@ -10634,7 +10830,7 @@
             <a:pPr algn="ctr"/>
             <a:r>
               <a:rPr lang="zh-CN" altLang="en-US" sz="1600"/>
-              <a:t>数据平台</a:t>
+              <a:t>开放平台</a:t>
             </a:r>
             <a:endParaRPr lang="zh-CN" altLang="en-US" sz="1600"/>
           </a:p>
@@ -11552,14 +11748,26 @@
 
 <file path=ppt/tags/tag58.xml><?xml version="1.0" encoding="utf-8"?>
 <p:tagLst xmlns:p="http://schemas.openxmlformats.org/presentationml/2006/main">
-  <p:tag name="KSO_WPP_MARK_KEY" val="73001d99-5fbd-4fbd-a894-579de39c0a0a"/>
-  <p:tag name="COMMONDATA" val="eyJoZGlkIjoiMzEwNTM5NzYwMDRjMzkwZTVkZjY2ODkwMGIxNGU0OTUifQ=="/>
+  <p:tag name="KSO_WM_BEAUTIFY_FLAG" val=""/>
+</p:tagLst>
+</file>
+
+<file path=ppt/tags/tag59.xml><?xml version="1.0" encoding="utf-8"?>
+<p:tagLst xmlns:p="http://schemas.openxmlformats.org/presentationml/2006/main">
+  <p:tag name="KSO_WM_BEAUTIFY_FLAG" val=""/>
 </p:tagLst>
 </file>
 
 <file path=ppt/tags/tag6.xml><?xml version="1.0" encoding="utf-8"?>
 <p:tagLst xmlns:p="http://schemas.openxmlformats.org/presentationml/2006/main">
   <p:tag name="KSO_WM_BEAUTIFY_FLAG" val=""/>
+</p:tagLst>
+</file>
+
+<file path=ppt/tags/tag60.xml><?xml version="1.0" encoding="utf-8"?>
+<p:tagLst xmlns:p="http://schemas.openxmlformats.org/presentationml/2006/main">
+  <p:tag name="KSO_WPP_MARK_KEY" val="73001d99-5fbd-4fbd-a894-579de39c0a0a"/>
+  <p:tag name="COMMONDATA" val="eyJoZGlkIjoiMzEwNTM5NzYwMDRjMzkwZTVkZjY2ODkwMGIxNGU0OTUifQ=="/>
 </p:tagLst>
 </file>
 

--- a/assets/attachment/关于软件架构 - v2.pptx
+++ b/assets/attachment/关于软件架构 - v2.pptx
@@ -1824,7 +1824,7 @@
                   <a:schemeClr val="bg1"/>
                 </a:solidFill>
                 <a:latin typeface="Arial" panose="020B0604020202020204" pitchFamily="34" charset="0"/>
-                <a:ea typeface="宋体" panose="02010600030101010101" pitchFamily="2" charset="-122"/>
+                <a:ea typeface="宋体" pitchFamily="2" charset="-122"/>
               </a:defRPr>
             </a:lvl2pPr>
             <a:lvl3pPr marL="914400" lvl="2" indent="-914400" algn="ctr">
@@ -1834,7 +1834,7 @@
                   <a:schemeClr val="bg1"/>
                 </a:solidFill>
                 <a:latin typeface="Arial" panose="020B0604020202020204" pitchFamily="34" charset="0"/>
-                <a:ea typeface="宋体" panose="02010600030101010101" pitchFamily="2" charset="-122"/>
+                <a:ea typeface="宋体" pitchFamily="2" charset="-122"/>
               </a:defRPr>
             </a:lvl3pPr>
             <a:lvl4pPr marL="1371600" lvl="3" indent="-1371600" algn="ctr">
@@ -1844,7 +1844,7 @@
                   <a:schemeClr val="bg1"/>
                 </a:solidFill>
                 <a:latin typeface="Arial" panose="020B0604020202020204" pitchFamily="34" charset="0"/>
-                <a:ea typeface="宋体" panose="02010600030101010101" pitchFamily="2" charset="-122"/>
+                <a:ea typeface="宋体" pitchFamily="2" charset="-122"/>
               </a:defRPr>
             </a:lvl4pPr>
             <a:lvl5pPr marL="1828800" lvl="4" indent="-1828800" algn="ctr">
@@ -1854,7 +1854,7 @@
                   <a:schemeClr val="bg1"/>
                 </a:solidFill>
                 <a:latin typeface="Arial" panose="020B0604020202020204" pitchFamily="34" charset="0"/>
-                <a:ea typeface="宋体" panose="02010600030101010101" pitchFamily="2" charset="-122"/>
+                <a:ea typeface="宋体" pitchFamily="2" charset="-122"/>
               </a:defRPr>
             </a:lvl5pPr>
           </a:lstStyle>
@@ -6593,12 +6593,12 @@
           <a:graphicData uri="http://schemas.openxmlformats.org/presentationml/2006/ole">
             <mc:AlternateContent xmlns:mc="http://schemas.openxmlformats.org/markup-compatibility/2006">
               <mc:Choice xmlns:v="urn:schemas-microsoft-com:vml" Requires="v">
-                <p:oleObj spid="_x0000_s22" name="" r:id="rId2" imgW="7672705" imgH="4521200" progId="Visio.Drawing.15">
+                <p:oleObj spid="_x0000_s22" name="" r:id="rId2" imgW="7667625" imgH="4515485" progId="Visio.Drawing.15">
                   <p:embed/>
                 </p:oleObj>
               </mc:Choice>
               <mc:Fallback>
-                <p:oleObj name="" r:id="rId2" imgW="7672705" imgH="4521200" progId="Visio.Drawing.15">
+                <p:oleObj name="" r:id="rId2" imgW="7667625" imgH="4515485" progId="Visio.Drawing.15">
                   <p:embed/>
                   <p:pic>
                     <p:nvPicPr>
@@ -8534,12 +8534,12 @@
           <a:graphicData uri="http://schemas.openxmlformats.org/presentationml/2006/ole">
             <mc:AlternateContent xmlns:mc="http://schemas.openxmlformats.org/markup-compatibility/2006">
               <mc:Choice xmlns:v="urn:schemas-microsoft-com:vml" Requires="v">
-                <p:oleObj spid="_x0000_s7" name="" r:id="rId2" imgW="6520180" imgH="2561590" progId="Visio.Drawing.15">
+                <p:oleObj spid="_x0000_s7" name="" r:id="rId2" imgW="6514465" imgH="2555875" progId="Visio.Drawing.15">
                   <p:embed/>
                 </p:oleObj>
               </mc:Choice>
               <mc:Fallback>
-                <p:oleObj name="" r:id="rId2" imgW="6520180" imgH="2561590" progId="Visio.Drawing.15">
+                <p:oleObj name="" r:id="rId2" imgW="6514465" imgH="2555875" progId="Visio.Drawing.15">
                   <p:embed/>
                   <p:pic>
                     <p:nvPicPr>
@@ -8630,12 +8630,12 @@
           <a:graphicData uri="http://schemas.openxmlformats.org/presentationml/2006/ole">
             <mc:AlternateContent xmlns:mc="http://schemas.openxmlformats.org/markup-compatibility/2006">
               <mc:Choice xmlns:v="urn:schemas-microsoft-com:vml" Requires="v">
-                <p:oleObj spid="_x0000_s10" name="" r:id="rId2" imgW="4912995" imgH="1153160" progId="Visio.Drawing.15">
+                <p:oleObj spid="_x0000_s10" name="" r:id="rId2" imgW="4907280" imgH="1147445" progId="Visio.Drawing.15">
                   <p:embed/>
                 </p:oleObj>
               </mc:Choice>
               <mc:Fallback>
-                <p:oleObj name="" r:id="rId2" imgW="4912995" imgH="1153160" progId="Visio.Drawing.15">
+                <p:oleObj name="" r:id="rId2" imgW="4907280" imgH="1147445" progId="Visio.Drawing.15">
                   <p:embed/>
                   <p:pic>
                     <p:nvPicPr>
@@ -9961,12 +9961,12 @@
           <a:graphicData uri="http://schemas.openxmlformats.org/presentationml/2006/ole">
             <mc:AlternateContent xmlns:mc="http://schemas.openxmlformats.org/markup-compatibility/2006">
               <mc:Choice xmlns:v="urn:schemas-microsoft-com:vml" Requires="v">
-                <p:oleObj spid="_x0000_s8" name="" r:id="rId2" imgW="5957570" imgH="5202555" progId="Visio.Drawing.15">
+                <p:oleObj spid="_x0000_s8" name="" r:id="rId2" imgW="5951855" imgH="5196840" progId="Visio.Drawing.15">
                   <p:embed/>
                 </p:oleObj>
               </mc:Choice>
               <mc:Fallback>
-                <p:oleObj name="" r:id="rId2" imgW="5957570" imgH="5202555" progId="Visio.Drawing.15">
+                <p:oleObj name="" r:id="rId2" imgW="5951855" imgH="5196840" progId="Visio.Drawing.15">
                   <p:embed/>
                   <p:pic>
                     <p:nvPicPr>
@@ -10775,7 +10775,15 @@
             <a:pPr algn="ctr"/>
             <a:r>
               <a:rPr lang="zh-CN" altLang="en-US" sz="1600"/>
-              <a:t>企业钱包</a:t>
+              <a:t>企业</a:t>
+            </a:r>
+            <a:r>
+              <a:rPr lang="en-US" altLang="zh-CN" sz="1600"/>
+              <a:t>/</a:t>
+            </a:r>
+            <a:r>
+              <a:rPr lang="zh-CN" altLang="en-US" sz="1600"/>
+              <a:t>个人钱包</a:t>
             </a:r>
             <a:endParaRPr lang="zh-CN" altLang="en-US" sz="1600"/>
           </a:p>
